--- a/ZenDrive.pptx
+++ b/ZenDrive.pptx
@@ -14,25 +14,25 @@
     <p:sldId id="256" r:id="rId2"/>
     <p:sldId id="280" r:id="rId3"/>
     <p:sldId id="257" r:id="rId4"/>
-    <p:sldId id="259" r:id="rId5"/>
-    <p:sldId id="258" r:id="rId6"/>
-    <p:sldId id="262" r:id="rId7"/>
-    <p:sldId id="263" r:id="rId8"/>
-    <p:sldId id="264" r:id="rId9"/>
-    <p:sldId id="276" r:id="rId10"/>
-    <p:sldId id="277" r:id="rId11"/>
-    <p:sldId id="278" r:id="rId12"/>
-    <p:sldId id="265" r:id="rId13"/>
-    <p:sldId id="266" r:id="rId14"/>
-    <p:sldId id="267" r:id="rId15"/>
-    <p:sldId id="268" r:id="rId16"/>
-    <p:sldId id="269" r:id="rId17"/>
-    <p:sldId id="270" r:id="rId18"/>
-    <p:sldId id="271" r:id="rId19"/>
-    <p:sldId id="272" r:id="rId20"/>
-    <p:sldId id="279" r:id="rId21"/>
-    <p:sldId id="273" r:id="rId22"/>
-    <p:sldId id="274" r:id="rId23"/>
+    <p:sldId id="258" r:id="rId5"/>
+    <p:sldId id="262" r:id="rId6"/>
+    <p:sldId id="263" r:id="rId7"/>
+    <p:sldId id="264" r:id="rId8"/>
+    <p:sldId id="276" r:id="rId9"/>
+    <p:sldId id="277" r:id="rId10"/>
+    <p:sldId id="278" r:id="rId11"/>
+    <p:sldId id="265" r:id="rId12"/>
+    <p:sldId id="266" r:id="rId13"/>
+    <p:sldId id="267" r:id="rId14"/>
+    <p:sldId id="268" r:id="rId15"/>
+    <p:sldId id="269" r:id="rId16"/>
+    <p:sldId id="270" r:id="rId17"/>
+    <p:sldId id="271" r:id="rId18"/>
+    <p:sldId id="272" r:id="rId19"/>
+    <p:sldId id="279" r:id="rId20"/>
+    <p:sldId id="273" r:id="rId21"/>
+    <p:sldId id="274" r:id="rId22"/>
+    <p:sldId id="281" r:id="rId23"/>
     <p:sldId id="275" r:id="rId24"/>
   </p:sldIdLst>
   <p:sldSz cx="12192000" cy="6858000"/>
@@ -3686,7 +3686,7 @@
         <a:lstStyle/>
         <a:p>
           <a:r>
-            <a:rPr lang="en-US"/>
+            <a:rPr lang="en-US" dirty="0"/>
             <a:t>Google's Dynamically configurating maps conforming to driver's preferences and environmental constraints.</a:t>
           </a:r>
         </a:p>
@@ -3722,7 +3722,7 @@
         <a:lstStyle/>
         <a:p>
           <a:r>
-            <a:rPr lang="en-US"/>
+            <a:rPr lang="en-US" dirty="0"/>
             <a:t>Busy Life</a:t>
           </a:r>
         </a:p>
@@ -3758,7 +3758,7 @@
         <a:lstStyle/>
         <a:p>
           <a:r>
-            <a:rPr lang="en-US"/>
+            <a:rPr lang="en-US" dirty="0"/>
             <a:t>Sick of radio jockeys predicting traffic on an abandoned boulevard.</a:t>
           </a:r>
         </a:p>
@@ -4009,10 +4009,10 @@
         <a:lstStyle/>
         <a:p>
           <a:r>
-            <a:rPr lang="en-US" baseline="30000"/>
+            <a:rPr lang="en-US" baseline="30000" dirty="0"/>
             <a:t>Linear regression attempts to model the relationship between two variables by fitting a linear equation to observed data. One variable is considered to be an explanatory variable, and the other is considered to be a dependent variable. For example, a modeler might want to relate the weights of individuals to their heights using a linear regression model.</a:t>
           </a:r>
-          <a:endParaRPr lang="en-US"/>
+          <a:endParaRPr lang="en-US" dirty="0"/>
         </a:p>
       </dgm:t>
     </dgm:pt>
@@ -4046,26 +4046,26 @@
         <a:lstStyle/>
         <a:p>
           <a:r>
-            <a:rPr lang="en-US" baseline="30000"/>
+            <a:rPr lang="en-US" baseline="30000" dirty="0"/>
             <a:t>Before attempting to fit a linear model to observed data, a modeler should first determine whether or not there is a relationship between the variables of interest. This does not necessarily imply that one variable </a:t>
           </a:r>
           <a:r>
-            <a:rPr lang="en-US" i="1" baseline="30000"/>
+            <a:rPr lang="en-US" i="1" baseline="30000" dirty="0"/>
             <a:t>causes</a:t>
           </a:r>
           <a:r>
-            <a:rPr lang="en-US" baseline="30000"/>
+            <a:rPr lang="en-US" baseline="30000" dirty="0"/>
             <a:t> the other (for example, higher SAT scores do not </a:t>
           </a:r>
           <a:r>
-            <a:rPr lang="en-US" i="1" baseline="30000"/>
+            <a:rPr lang="en-US" i="1" baseline="30000" dirty="0"/>
             <a:t>cause</a:t>
           </a:r>
           <a:r>
-            <a:rPr lang="en-US" baseline="30000"/>
+            <a:rPr lang="en-US" baseline="30000" dirty="0"/>
             <a:t> higher college grades), but that there is some significant association between the two variables.</a:t>
           </a:r>
-          <a:endParaRPr lang="en-US"/>
+          <a:endParaRPr lang="en-US" dirty="0"/>
         </a:p>
       </dgm:t>
     </dgm:pt>
@@ -4099,10 +4099,10 @@
         <a:lstStyle/>
         <a:p>
           <a:r>
-            <a:rPr lang="en-US" baseline="30000"/>
+            <a:rPr lang="en-US" baseline="30000" dirty="0"/>
             <a:t>y(x) = p0 + p1 * x</a:t>
           </a:r>
-          <a:endParaRPr lang="en-US"/>
+          <a:endParaRPr lang="en-US" dirty="0"/>
         </a:p>
       </dgm:t>
     </dgm:pt>
@@ -4136,10 +4136,10 @@
         <a:lstStyle/>
         <a:p>
           <a:r>
-            <a:rPr lang="en-US" baseline="30000"/>
+            <a:rPr lang="en-US" baseline="30000" dirty="0"/>
             <a:t>y = output variable. Variable y represents the continuous value that the model tries to predict.</a:t>
           </a:r>
-          <a:endParaRPr lang="en-US"/>
+          <a:endParaRPr lang="en-US" dirty="0"/>
         </a:p>
       </dgm:t>
     </dgm:pt>
@@ -4174,20 +4174,20 @@
         <a:p>
           <a:pPr rtl="0"/>
           <a:r>
-            <a:rPr lang="en-US" baseline="30000"/>
+            <a:rPr lang="en-US" baseline="30000" dirty="0"/>
             <a:t>x = input variable.</a:t>
           </a:r>
           <a:r>
-            <a:rPr lang="en-US" baseline="30000">
+            <a:rPr lang="en-US" baseline="30000" dirty="0">
               <a:latin typeface="Century Gothic" panose="020B0502020202020204"/>
             </a:rPr>
             <a:t> In machine learning,</a:t>
           </a:r>
           <a:r>
-            <a:rPr lang="en-US" baseline="30000"/>
+            <a:rPr lang="en-US" baseline="30000" dirty="0"/>
             <a:t> x is the feature, while it is termed the independent variable in statistics. Variable x represents the input information provided to the model at any given time.</a:t>
           </a:r>
-          <a:endParaRPr lang="en-US"/>
+          <a:endParaRPr lang="en-US" dirty="0"/>
         </a:p>
       </dgm:t>
     </dgm:pt>
@@ -4221,10 +4221,10 @@
         <a:lstStyle/>
         <a:p>
           <a:r>
-            <a:rPr lang="en-US" baseline="30000"/>
+            <a:rPr lang="en-US" baseline="30000" dirty="0"/>
             <a:t>p0 = y-axis intercept (or the bias term).</a:t>
           </a:r>
-          <a:endParaRPr lang="en-US"/>
+          <a:endParaRPr lang="en-US" dirty="0"/>
         </a:p>
       </dgm:t>
     </dgm:pt>
@@ -4258,10 +4258,10 @@
         <a:lstStyle/>
         <a:p>
           <a:r>
-            <a:rPr lang="en-US" baseline="30000"/>
+            <a:rPr lang="en-US" baseline="30000" dirty="0"/>
             <a:t>p1 = the regression coefficient or scale factor. In classical statistics, p1 is the equivalent of the slope of the best-fit straight line of the linear regression model.</a:t>
           </a:r>
-          <a:endParaRPr lang="en-US"/>
+          <a:endParaRPr lang="en-US" dirty="0"/>
         </a:p>
       </dgm:t>
     </dgm:pt>
@@ -4295,10 +4295,10 @@
         <a:lstStyle/>
         <a:p>
           <a:r>
-            <a:rPr lang="en-US" baseline="30000"/>
+            <a:rPr lang="en-US" baseline="30000" dirty="0"/>
             <a:t>pi = weights (in general).</a:t>
           </a:r>
-          <a:endParaRPr lang="en-US"/>
+          <a:endParaRPr lang="en-US" dirty="0"/>
         </a:p>
       </dgm:t>
     </dgm:pt>
@@ -4492,7 +4492,7 @@
         <a:lstStyle/>
         <a:p>
           <a:r>
-            <a:rPr lang="en-US"/>
+            <a:rPr lang="en-US" dirty="0"/>
             <a:t>STANDARD MEDIAN OF EXPECTED OUTPUT OF SPEEDS AGAINST THE PREDICTED CORRESPONDING STATS BY THE MODEL</a:t>
           </a:r>
         </a:p>
@@ -4528,17 +4528,17 @@
         <a:lstStyle/>
         <a:p>
           <a:r>
-            <a:rPr lang="en-US"/>
+            <a:rPr lang="en-US" dirty="0"/>
             <a:t>RELATIVE ACCURACY EXPONENTIALLY </a:t>
           </a:r>
           <a:r>
-            <a:rPr lang="en-US">
+            <a:rPr lang="en-US" dirty="0">
               <a:latin typeface="Century Gothic" panose="020B0502020202020204"/>
             </a:rPr>
             <a:t>INCREASES</a:t>
           </a:r>
           <a:r>
-            <a:rPr lang="en-US"/>
+            <a:rPr lang="en-US" dirty="0"/>
             <a:t> AS DATA FED TO THE MODEL AGGREGATES FOR A PARTICULAR CITY</a:t>
           </a:r>
         </a:p>
@@ -4729,17 +4729,17 @@
         <a:p>
           <a:pPr rtl="0"/>
           <a:r>
-            <a:rPr lang="en-US"/>
+            <a:rPr lang="en-US" dirty="0"/>
             <a:t>Deploy a dynamically "alternating" application</a:t>
           </a:r>
           <a:r>
-            <a:rPr lang="en-US">
+            <a:rPr lang="en-US" dirty="0">
               <a:latin typeface="Century Gothic" panose="020B0502020202020204"/>
             </a:rPr>
             <a:t> </a:t>
           </a:r>
           <a:r>
-            <a:rPr lang="en-US"/>
+            <a:rPr lang="en-US" dirty="0"/>
             <a:t>in the market which tracks user's current traffic location and data to provide information about fastest nearby routes and compare possible routes tracing the same destination against their approximate "waiting" times.</a:t>
           </a:r>
         </a:p>
@@ -4775,7 +4775,7 @@
         <a:lstStyle/>
         <a:p>
           <a:r>
-            <a:rPr lang="en-US"/>
+            <a:rPr lang="en-US" dirty="0"/>
             <a:t>Collect live satellite images of the user's surroundings and map them concurrently with the data values the model is learning to "reinforce" the learning speed of the model and aid visuals.</a:t>
           </a:r>
         </a:p>
@@ -4811,7 +4811,7 @@
         <a:lstStyle/>
         <a:p>
           <a:r>
-            <a:rPr lang="en-US"/>
+            <a:rPr lang="en-US" dirty="0"/>
             <a:t>Incorporate more cities' traffic congestion data and use more unpredictable variables to robustly train and test the model.</a:t>
           </a:r>
         </a:p>
@@ -4847,7 +4847,7 @@
         <a:lstStyle/>
         <a:p>
           <a:r>
-            <a:rPr lang="en-US"/>
+            <a:rPr lang="en-US" dirty="0"/>
             <a:t>Use Google Maps API and data from traffic regional traffic control centers around the globe.</a:t>
           </a:r>
         </a:p>
@@ -5285,7 +5285,7 @@
             <a:buNone/>
           </a:pPr>
           <a:r>
-            <a:rPr lang="en-US" sz="1900" kern="1200"/>
+            <a:rPr lang="en-US" sz="1900" kern="1200" dirty="0"/>
             <a:t>Google's Dynamically configurating maps conforming to driver's preferences and environmental constraints.</a:t>
           </a:r>
         </a:p>
@@ -5435,7 +5435,7 @@
             <a:buNone/>
           </a:pPr>
           <a:r>
-            <a:rPr lang="en-US" sz="1900" kern="1200"/>
+            <a:rPr lang="en-US" sz="1900" kern="1200" dirty="0"/>
             <a:t>Busy Life</a:t>
           </a:r>
         </a:p>
@@ -5585,7 +5585,7 @@
             <a:buNone/>
           </a:pPr>
           <a:r>
-            <a:rPr lang="en-US" sz="1900" kern="1200"/>
+            <a:rPr lang="en-US" sz="1900" kern="1200" dirty="0"/>
             <a:t>Sick of radio jockeys predicting traffic on an abandoned boulevard.</a:t>
           </a:r>
         </a:p>
@@ -5674,10 +5674,10 @@
             <a:buNone/>
           </a:pPr>
           <a:r>
-            <a:rPr lang="en-US" sz="1200" kern="1200" baseline="30000"/>
+            <a:rPr lang="en-US" sz="1200" kern="1200" baseline="30000" dirty="0"/>
             <a:t>Linear regression attempts to model the relationship between two variables by fitting a linear equation to observed data. One variable is considered to be an explanatory variable, and the other is considered to be a dependent variable. For example, a modeler might want to relate the weights of individuals to their heights using a linear regression model.</a:t>
           </a:r>
-          <a:endParaRPr lang="en-US" sz="1200" kern="1200"/>
+          <a:endParaRPr lang="en-US" sz="1200" kern="1200" dirty="0"/>
         </a:p>
       </dsp:txBody>
       <dsp:txXfrm>
@@ -5752,26 +5752,26 @@
             <a:buNone/>
           </a:pPr>
           <a:r>
-            <a:rPr lang="en-US" sz="1200" kern="1200" baseline="30000"/>
+            <a:rPr lang="en-US" sz="1200" kern="1200" baseline="30000" dirty="0"/>
             <a:t>Before attempting to fit a linear model to observed data, a modeler should first determine whether or not there is a relationship between the variables of interest. This does not necessarily imply that one variable </a:t>
           </a:r>
           <a:r>
-            <a:rPr lang="en-US" sz="1200" i="1" kern="1200" baseline="30000"/>
+            <a:rPr lang="en-US" sz="1200" i="1" kern="1200" baseline="30000" dirty="0"/>
             <a:t>causes</a:t>
           </a:r>
           <a:r>
-            <a:rPr lang="en-US" sz="1200" kern="1200" baseline="30000"/>
+            <a:rPr lang="en-US" sz="1200" kern="1200" baseline="30000" dirty="0"/>
             <a:t> the other (for example, higher SAT scores do not </a:t>
           </a:r>
           <a:r>
-            <a:rPr lang="en-US" sz="1200" i="1" kern="1200" baseline="30000"/>
+            <a:rPr lang="en-US" sz="1200" i="1" kern="1200" baseline="30000" dirty="0"/>
             <a:t>cause</a:t>
           </a:r>
           <a:r>
-            <a:rPr lang="en-US" sz="1200" kern="1200" baseline="30000"/>
+            <a:rPr lang="en-US" sz="1200" kern="1200" baseline="30000" dirty="0"/>
             <a:t> higher college grades), but that there is some significant association between the two variables.</a:t>
           </a:r>
-          <a:endParaRPr lang="en-US" sz="1200" kern="1200"/>
+          <a:endParaRPr lang="en-US" sz="1200" kern="1200" dirty="0"/>
         </a:p>
       </dsp:txBody>
       <dsp:txXfrm>
@@ -5846,10 +5846,10 @@
             <a:buNone/>
           </a:pPr>
           <a:r>
-            <a:rPr lang="en-US" sz="1200" kern="1200" baseline="30000"/>
+            <a:rPr lang="en-US" sz="1200" kern="1200" baseline="30000" dirty="0"/>
             <a:t>y(x) = p0 + p1 * x</a:t>
           </a:r>
-          <a:endParaRPr lang="en-US" sz="1200" kern="1200"/>
+          <a:endParaRPr lang="en-US" sz="1200" kern="1200" dirty="0"/>
         </a:p>
       </dsp:txBody>
       <dsp:txXfrm>
@@ -5924,10 +5924,10 @@
             <a:buNone/>
           </a:pPr>
           <a:r>
-            <a:rPr lang="en-US" sz="1200" kern="1200" baseline="30000"/>
+            <a:rPr lang="en-US" sz="1200" kern="1200" baseline="30000" dirty="0"/>
             <a:t>y = output variable. Variable y represents the continuous value that the model tries to predict.</a:t>
           </a:r>
-          <a:endParaRPr lang="en-US" sz="1200" kern="1200"/>
+          <a:endParaRPr lang="en-US" sz="1200" kern="1200" dirty="0"/>
         </a:p>
       </dsp:txBody>
       <dsp:txXfrm>
@@ -6002,20 +6002,20 @@
             <a:buNone/>
           </a:pPr>
           <a:r>
-            <a:rPr lang="en-US" sz="1200" kern="1200" baseline="30000"/>
+            <a:rPr lang="en-US" sz="1200" kern="1200" baseline="30000" dirty="0"/>
             <a:t>x = input variable.</a:t>
           </a:r>
           <a:r>
-            <a:rPr lang="en-US" sz="1200" kern="1200" baseline="30000">
+            <a:rPr lang="en-US" sz="1200" kern="1200" baseline="30000" dirty="0">
               <a:latin typeface="Century Gothic" panose="020B0502020202020204"/>
             </a:rPr>
             <a:t> In machine learning,</a:t>
           </a:r>
           <a:r>
-            <a:rPr lang="en-US" sz="1200" kern="1200" baseline="30000"/>
+            <a:rPr lang="en-US" sz="1200" kern="1200" baseline="30000" dirty="0"/>
             <a:t> x is the feature, while it is termed the independent variable in statistics. Variable x represents the input information provided to the model at any given time.</a:t>
           </a:r>
-          <a:endParaRPr lang="en-US" sz="1200" kern="1200"/>
+          <a:endParaRPr lang="en-US" sz="1200" kern="1200" dirty="0"/>
         </a:p>
       </dsp:txBody>
       <dsp:txXfrm>
@@ -6090,10 +6090,10 @@
             <a:buNone/>
           </a:pPr>
           <a:r>
-            <a:rPr lang="en-US" sz="1200" kern="1200" baseline="30000"/>
+            <a:rPr lang="en-US" sz="1200" kern="1200" baseline="30000" dirty="0"/>
             <a:t>p0 = y-axis intercept (or the bias term).</a:t>
           </a:r>
-          <a:endParaRPr lang="en-US" sz="1200" kern="1200"/>
+          <a:endParaRPr lang="en-US" sz="1200" kern="1200" dirty="0"/>
         </a:p>
       </dsp:txBody>
       <dsp:txXfrm>
@@ -6168,10 +6168,10 @@
             <a:buNone/>
           </a:pPr>
           <a:r>
-            <a:rPr lang="en-US" sz="1200" kern="1200" baseline="30000"/>
+            <a:rPr lang="en-US" sz="1200" kern="1200" baseline="30000" dirty="0"/>
             <a:t>p1 = the regression coefficient or scale factor. In classical statistics, p1 is the equivalent of the slope of the best-fit straight line of the linear regression model.</a:t>
           </a:r>
-          <a:endParaRPr lang="en-US" sz="1200" kern="1200"/>
+          <a:endParaRPr lang="en-US" sz="1200" kern="1200" dirty="0"/>
         </a:p>
       </dsp:txBody>
       <dsp:txXfrm>
@@ -6246,10 +6246,10 @@
             <a:buNone/>
           </a:pPr>
           <a:r>
-            <a:rPr lang="en-US" sz="1200" kern="1200" baseline="30000"/>
+            <a:rPr lang="en-US" sz="1200" kern="1200" baseline="30000" dirty="0"/>
             <a:t>pi = weights (in general).</a:t>
           </a:r>
-          <a:endParaRPr lang="en-US" sz="1200" kern="1200"/>
+          <a:endParaRPr lang="en-US" sz="1200" kern="1200" dirty="0"/>
         </a:p>
       </dsp:txBody>
       <dsp:txXfrm>
@@ -6396,7 +6396,7 @@
         </a:bodyPr>
         <a:lstStyle/>
         <a:p>
-          <a:pPr marL="0" lvl="0" indent="0" algn="l" defTabSz="800100">
+          <a:pPr marL="0" lvl="0" indent="0" algn="l" defTabSz="755650">
             <a:lnSpc>
               <a:spcPct val="90000"/>
             </a:lnSpc>
@@ -6409,7 +6409,7 @@
             <a:buNone/>
           </a:pPr>
           <a:r>
-            <a:rPr lang="en-US" sz="1800" kern="1200"/>
+            <a:rPr lang="en-US" sz="1700" kern="1200" dirty="0"/>
             <a:t>STANDARD MEDIAN OF EXPECTED OUTPUT OF SPEEDS AGAINST THE PREDICTED CORRESPONDING STATS BY THE MODEL</a:t>
           </a:r>
         </a:p>
@@ -6546,7 +6546,7 @@
         </a:bodyPr>
         <a:lstStyle/>
         <a:p>
-          <a:pPr marL="0" lvl="0" indent="0" algn="l" defTabSz="800100">
+          <a:pPr marL="0" lvl="0" indent="0" algn="l" defTabSz="755650">
             <a:lnSpc>
               <a:spcPct val="90000"/>
             </a:lnSpc>
@@ -6559,17 +6559,17 @@
             <a:buNone/>
           </a:pPr>
           <a:r>
-            <a:rPr lang="en-US" sz="1800" kern="1200"/>
+            <a:rPr lang="en-US" sz="1700" kern="1200" dirty="0"/>
             <a:t>RELATIVE ACCURACY EXPONENTIALLY </a:t>
           </a:r>
           <a:r>
-            <a:rPr lang="en-US" sz="1800" kern="1200">
+            <a:rPr lang="en-US" sz="1700" kern="1200" dirty="0">
               <a:latin typeface="Century Gothic" panose="020B0502020202020204"/>
             </a:rPr>
             <a:t>INCREASES</a:t>
           </a:r>
           <a:r>
-            <a:rPr lang="en-US" sz="1800" kern="1200"/>
+            <a:rPr lang="en-US" sz="1700" kern="1200" dirty="0"/>
             <a:t> AS DATA FED TO THE MODEL AGGREGATES FOR A PARTICULAR CITY</a:t>
           </a:r>
         </a:p>
@@ -6718,7 +6718,7 @@
         </a:bodyPr>
         <a:lstStyle/>
         <a:p>
-          <a:pPr marL="0" lvl="0" indent="0" algn="l" defTabSz="666750" rtl="0">
+          <a:pPr marL="0" lvl="0" indent="0" algn="l" defTabSz="622300" rtl="0">
             <a:lnSpc>
               <a:spcPct val="90000"/>
             </a:lnSpc>
@@ -6731,17 +6731,17 @@
             <a:buNone/>
           </a:pPr>
           <a:r>
-            <a:rPr lang="en-US" sz="1500" kern="1200"/>
+            <a:rPr lang="en-US" sz="1400" kern="1200" dirty="0"/>
             <a:t>Deploy a dynamically "alternating" application</a:t>
           </a:r>
           <a:r>
-            <a:rPr lang="en-US" sz="1500" kern="1200">
+            <a:rPr lang="en-US" sz="1400" kern="1200" dirty="0">
               <a:latin typeface="Century Gothic" panose="020B0502020202020204"/>
             </a:rPr>
             <a:t> </a:t>
           </a:r>
           <a:r>
-            <a:rPr lang="en-US" sz="1500" kern="1200"/>
+            <a:rPr lang="en-US" sz="1400" kern="1200" dirty="0"/>
             <a:t>in the market which tracks user's current traffic location and data to provide information about fastest nearby routes and compare possible routes tracing the same destination against their approximate "waiting" times.</a:t>
           </a:r>
         </a:p>
@@ -6878,7 +6878,7 @@
         </a:bodyPr>
         <a:lstStyle/>
         <a:p>
-          <a:pPr marL="0" lvl="0" indent="0" algn="l" defTabSz="666750">
+          <a:pPr marL="0" lvl="0" indent="0" algn="l" defTabSz="622300">
             <a:lnSpc>
               <a:spcPct val="90000"/>
             </a:lnSpc>
@@ -6891,7 +6891,7 @@
             <a:buNone/>
           </a:pPr>
           <a:r>
-            <a:rPr lang="en-US" sz="1500" kern="1200"/>
+            <a:rPr lang="en-US" sz="1400" kern="1200" dirty="0"/>
             <a:t>Collect live satellite images of the user's surroundings and map them concurrently with the data values the model is learning to "reinforce" the learning speed of the model and aid visuals.</a:t>
           </a:r>
         </a:p>
@@ -7028,7 +7028,7 @@
         </a:bodyPr>
         <a:lstStyle/>
         <a:p>
-          <a:pPr marL="0" lvl="0" indent="0" algn="l" defTabSz="666750">
+          <a:pPr marL="0" lvl="0" indent="0" algn="l" defTabSz="622300">
             <a:lnSpc>
               <a:spcPct val="90000"/>
             </a:lnSpc>
@@ -7041,7 +7041,7 @@
             <a:buNone/>
           </a:pPr>
           <a:r>
-            <a:rPr lang="en-US" sz="1500" kern="1200"/>
+            <a:rPr lang="en-US" sz="1400" kern="1200" dirty="0"/>
             <a:t>Incorporate more cities' traffic congestion data and use more unpredictable variables to robustly train and test the model.</a:t>
           </a:r>
         </a:p>
@@ -7178,7 +7178,7 @@
         </a:bodyPr>
         <a:lstStyle/>
         <a:p>
-          <a:pPr marL="0" lvl="0" indent="0" algn="l" defTabSz="666750">
+          <a:pPr marL="0" lvl="0" indent="0" algn="l" defTabSz="622300">
             <a:lnSpc>
               <a:spcPct val="90000"/>
             </a:lnSpc>
@@ -7191,7 +7191,7 @@
             <a:buNone/>
           </a:pPr>
           <a:r>
-            <a:rPr lang="en-US" sz="1500" kern="1200"/>
+            <a:rPr lang="en-US" sz="1400" kern="1200" dirty="0"/>
             <a:t>Use Google Maps API and data from traffic regional traffic control centers around the globe.</a:t>
           </a:r>
         </a:p>
@@ -12425,7 +12425,7 @@
             </a:lvl1pPr>
           </a:lstStyle>
           <a:p>
-            <a:endParaRPr lang="en-GB"/>
+            <a:endParaRPr lang="en-GB" dirty="0"/>
           </a:p>
         </p:txBody>
       </p:sp>
@@ -12466,7 +12466,7 @@
               <a:rPr lang="en-GB" smtClean="0"/>
               <a:t>26/02/2023</a:t>
             </a:fld>
-            <a:endParaRPr lang="en-GB"/>
+            <a:endParaRPr lang="en-GB" dirty="0"/>
           </a:p>
         </p:txBody>
       </p:sp>
@@ -12503,7 +12503,7 @@
             </a:lvl1pPr>
           </a:lstStyle>
           <a:p>
-            <a:endParaRPr lang="en-GB"/>
+            <a:endParaRPr lang="en-GB" dirty="0"/>
           </a:p>
         </p:txBody>
       </p:sp>
@@ -12544,7 +12544,7 @@
               <a:rPr lang="en-GB" smtClean="0"/>
               <a:t>‹#›</a:t>
             </a:fld>
-            <a:endParaRPr lang="en-GB"/>
+            <a:endParaRPr lang="en-GB" dirty="0"/>
           </a:p>
         </p:txBody>
       </p:sp>
@@ -12609,7 +12609,7 @@
             </a:lvl1pPr>
           </a:lstStyle>
           <a:p>
-            <a:endParaRPr lang="en-GB" noProof="0"/>
+            <a:endParaRPr lang="en-GB" noProof="0" dirty="0"/>
           </a:p>
         </p:txBody>
       </p:sp>
@@ -12645,7 +12645,7 @@
               <a:pPr/>
               <a:t>26/02/2023</a:t>
             </a:fld>
-            <a:endParaRPr lang="en-GB"/>
+            <a:endParaRPr lang="en-GB" dirty="0"/>
           </a:p>
         </p:txBody>
       </p:sp>
@@ -12678,7 +12678,7 @@
           <a:bodyPr vert="horz" lIns="91440" tIns="45720" rIns="91440" bIns="45720" rtlCol="0" anchor="ctr"/>
           <a:lstStyle/>
           <a:p>
-            <a:endParaRPr lang="en-GB" noProof="0"/>
+            <a:endParaRPr lang="en-GB" noProof="0" dirty="0"/>
           </a:p>
         </p:txBody>
       </p:sp>
@@ -12768,7 +12768,7 @@
             </a:lvl1pPr>
           </a:lstStyle>
           <a:p>
-            <a:endParaRPr lang="en-GB" noProof="0"/>
+            <a:endParaRPr lang="en-GB" noProof="0" dirty="0"/>
           </a:p>
         </p:txBody>
       </p:sp>
@@ -12803,7 +12803,7 @@
               <a:rPr lang="en-GB" noProof="0" smtClean="0"/>
               <a:t>‹#›</a:t>
             </a:fld>
-            <a:endParaRPr lang="en-GB" noProof="0"/>
+            <a:endParaRPr lang="en-GB" noProof="0" dirty="0"/>
           </a:p>
         </p:txBody>
       </p:sp>
@@ -12955,7 +12955,7 @@
           <a:bodyPr/>
           <a:lstStyle/>
           <a:p>
-            <a:endParaRPr lang="en-GB"/>
+            <a:endParaRPr lang="en-GB" dirty="0"/>
           </a:p>
         </p:txBody>
       </p:sp>
@@ -12978,7 +12978,7 @@
               <a:rPr lang="en-GB" smtClean="0"/>
               <a:t>1</a:t>
             </a:fld>
-            <a:endParaRPr lang="en-GB"/>
+            <a:endParaRPr lang="en-GB" dirty="0"/>
           </a:p>
         </p:txBody>
       </p:sp>
@@ -13457,7 +13457,7 @@
               <a:rPr lang="en-US" dirty="0"/>
               <a:t>2/26/2023</a:t>
             </a:fld>
-            <a:endParaRPr lang="en-US"/>
+            <a:endParaRPr lang="en-US" dirty="0"/>
           </a:p>
         </p:txBody>
       </p:sp>
@@ -13492,7 +13492,7 @@
             </a:lvl1pPr>
           </a:lstStyle>
           <a:p>
-            <a:endParaRPr lang="en-US"/>
+            <a:endParaRPr lang="en-US" dirty="0"/>
           </a:p>
         </p:txBody>
       </p:sp>
@@ -13532,7 +13532,7 @@
               <a:pPr/>
               <a:t>‹#›</a:t>
             </a:fld>
-            <a:endParaRPr lang="en-US"/>
+            <a:endParaRPr lang="en-US" dirty="0"/>
           </a:p>
         </p:txBody>
       </p:sp>
@@ -13658,7 +13658,7 @@
               <a:rPr lang="en-US" dirty="0"/>
               <a:t>2/26/2023</a:t>
             </a:fld>
-            <a:endParaRPr lang="en-US"/>
+            <a:endParaRPr lang="en-US" dirty="0"/>
           </a:p>
         </p:txBody>
       </p:sp>
@@ -13677,7 +13677,7 @@
           <a:bodyPr/>
           <a:lstStyle/>
           <a:p>
-            <a:endParaRPr lang="en-US"/>
+            <a:endParaRPr lang="en-US" dirty="0"/>
           </a:p>
         </p:txBody>
       </p:sp>
@@ -13700,7 +13700,7 @@
               <a:rPr lang="en-US" dirty="0"/>
               <a:t>‹#›</a:t>
             </a:fld>
-            <a:endParaRPr lang="en-US"/>
+            <a:endParaRPr lang="en-US" dirty="0"/>
           </a:p>
         </p:txBody>
       </p:sp>
@@ -13836,7 +13836,7 @@
               <a:rPr lang="en-US" dirty="0"/>
               <a:t>2/26/2023</a:t>
             </a:fld>
-            <a:endParaRPr lang="en-US"/>
+            <a:endParaRPr lang="en-US" dirty="0"/>
           </a:p>
         </p:txBody>
       </p:sp>
@@ -13855,7 +13855,7 @@
           <a:bodyPr/>
           <a:lstStyle/>
           <a:p>
-            <a:endParaRPr lang="en-US"/>
+            <a:endParaRPr lang="en-US" dirty="0"/>
           </a:p>
         </p:txBody>
       </p:sp>
@@ -13878,7 +13878,7 @@
               <a:rPr lang="en-US" dirty="0"/>
               <a:t>‹#›</a:t>
             </a:fld>
-            <a:endParaRPr lang="en-US"/>
+            <a:endParaRPr lang="en-US" dirty="0"/>
           </a:p>
         </p:txBody>
       </p:sp>
@@ -14004,7 +14004,7 @@
               <a:rPr lang="en-US" dirty="0"/>
               <a:t>2/26/2023</a:t>
             </a:fld>
-            <a:endParaRPr lang="en-US"/>
+            <a:endParaRPr lang="en-US" dirty="0"/>
           </a:p>
         </p:txBody>
       </p:sp>
@@ -14023,7 +14023,7 @@
           <a:bodyPr/>
           <a:lstStyle/>
           <a:p>
-            <a:endParaRPr lang="en-US"/>
+            <a:endParaRPr lang="en-US" dirty="0"/>
           </a:p>
         </p:txBody>
       </p:sp>
@@ -14047,7 +14047,7 @@
               <a:pPr/>
               <a:t>‹#›</a:t>
             </a:fld>
-            <a:endParaRPr lang="en-US"/>
+            <a:endParaRPr lang="en-US" dirty="0"/>
           </a:p>
         </p:txBody>
       </p:sp>
@@ -14575,7 +14575,7 @@
               <a:rPr lang="en-US" dirty="0"/>
               <a:t>2/26/2023</a:t>
             </a:fld>
-            <a:endParaRPr lang="en-US"/>
+            <a:endParaRPr lang="en-US" dirty="0"/>
           </a:p>
         </p:txBody>
       </p:sp>
@@ -14603,7 +14603,7 @@
             </a:lvl1pPr>
           </a:lstStyle>
           <a:p>
-            <a:endParaRPr lang="en-US"/>
+            <a:endParaRPr lang="en-US" dirty="0"/>
           </a:p>
         </p:txBody>
       </p:sp>
@@ -14631,7 +14631,7 @@
               <a:rPr lang="en-US" dirty="0"/>
               <a:t>‹#›</a:t>
             </a:fld>
-            <a:endParaRPr lang="en-US"/>
+            <a:endParaRPr lang="en-US" dirty="0"/>
           </a:p>
         </p:txBody>
       </p:sp>
@@ -14874,7 +14874,7 @@
               <a:rPr lang="en-US" dirty="0"/>
               <a:t>2/26/2023</a:t>
             </a:fld>
-            <a:endParaRPr lang="en-US"/>
+            <a:endParaRPr lang="en-US" dirty="0"/>
           </a:p>
         </p:txBody>
       </p:sp>
@@ -14893,7 +14893,7 @@
           <a:bodyPr/>
           <a:lstStyle/>
           <a:p>
-            <a:endParaRPr lang="en-US"/>
+            <a:endParaRPr lang="en-US" dirty="0"/>
           </a:p>
         </p:txBody>
       </p:sp>
@@ -14916,7 +14916,7 @@
               <a:rPr lang="en-US" dirty="0"/>
               <a:t>‹#›</a:t>
             </a:fld>
-            <a:endParaRPr lang="en-US"/>
+            <a:endParaRPr lang="en-US" dirty="0"/>
           </a:p>
         </p:txBody>
       </p:sp>
@@ -15308,7 +15308,7 @@
               <a:rPr lang="en-US" dirty="0"/>
               <a:t>2/26/2023</a:t>
             </a:fld>
-            <a:endParaRPr lang="en-US"/>
+            <a:endParaRPr lang="en-US" dirty="0"/>
           </a:p>
         </p:txBody>
       </p:sp>
@@ -15327,7 +15327,7 @@
           <a:bodyPr/>
           <a:lstStyle/>
           <a:p>
-            <a:endParaRPr lang="en-US"/>
+            <a:endParaRPr lang="en-US" dirty="0"/>
           </a:p>
         </p:txBody>
       </p:sp>
@@ -15350,7 +15350,7 @@
               <a:rPr lang="en-US" dirty="0"/>
               <a:t>‹#›</a:t>
             </a:fld>
-            <a:endParaRPr lang="en-US"/>
+            <a:endParaRPr lang="en-US" dirty="0"/>
           </a:p>
         </p:txBody>
       </p:sp>
@@ -15425,7 +15425,7 @@
               <a:rPr lang="en-US" dirty="0"/>
               <a:t>2/26/2023</a:t>
             </a:fld>
-            <a:endParaRPr lang="en-US"/>
+            <a:endParaRPr lang="en-US" dirty="0"/>
           </a:p>
         </p:txBody>
       </p:sp>
@@ -15444,7 +15444,7 @@
           <a:bodyPr/>
           <a:lstStyle/>
           <a:p>
-            <a:endParaRPr lang="en-US"/>
+            <a:endParaRPr lang="en-US" dirty="0"/>
           </a:p>
         </p:txBody>
       </p:sp>
@@ -15467,7 +15467,7 @@
               <a:rPr lang="en-US" dirty="0"/>
               <a:t>‹#›</a:t>
             </a:fld>
-            <a:endParaRPr lang="en-US"/>
+            <a:endParaRPr lang="en-US" dirty="0"/>
           </a:p>
         </p:txBody>
       </p:sp>
@@ -15520,7 +15520,7 @@
               <a:rPr lang="en-US" dirty="0"/>
               <a:t>2/26/2023</a:t>
             </a:fld>
-            <a:endParaRPr lang="en-US"/>
+            <a:endParaRPr lang="en-US" dirty="0"/>
           </a:p>
         </p:txBody>
       </p:sp>
@@ -15539,7 +15539,7 @@
           <a:bodyPr/>
           <a:lstStyle/>
           <a:p>
-            <a:endParaRPr lang="en-US"/>
+            <a:endParaRPr lang="en-US" dirty="0"/>
           </a:p>
         </p:txBody>
       </p:sp>
@@ -15562,7 +15562,7 @@
               <a:rPr lang="en-US" dirty="0"/>
               <a:t>‹#›</a:t>
             </a:fld>
-            <a:endParaRPr lang="en-US"/>
+            <a:endParaRPr lang="en-US" dirty="0"/>
           </a:p>
         </p:txBody>
       </p:sp>
@@ -15900,7 +15900,7 @@
               <a:rPr lang="en-US" dirty="0"/>
               <a:t>2/26/2023</a:t>
             </a:fld>
-            <a:endParaRPr lang="en-US"/>
+            <a:endParaRPr lang="en-US" dirty="0"/>
           </a:p>
         </p:txBody>
       </p:sp>
@@ -15923,7 +15923,7 @@
             </a:lvl1pPr>
           </a:lstStyle>
           <a:p>
-            <a:endParaRPr lang="en-US"/>
+            <a:endParaRPr lang="en-US" dirty="0"/>
           </a:p>
         </p:txBody>
       </p:sp>
@@ -15960,7 +15960,7 @@
               <a:pPr/>
               <a:t>‹#›</a:t>
             </a:fld>
-            <a:endParaRPr lang="en-US"/>
+            <a:endParaRPr lang="en-US" dirty="0"/>
           </a:p>
         </p:txBody>
       </p:sp>
@@ -16175,7 +16175,7 @@
             </a:lvl9pPr>
           </a:lstStyle>
           <a:p>
-            <a:endParaRPr lang="en-US"/>
+            <a:endParaRPr lang="en-US" dirty="0"/>
           </a:p>
         </p:txBody>
       </p:sp>
@@ -16290,7 +16290,7 @@
               <a:rPr lang="en-US" dirty="0"/>
               <a:t>2/26/2023</a:t>
             </a:fld>
-            <a:endParaRPr lang="en-US"/>
+            <a:endParaRPr lang="en-US" dirty="0"/>
           </a:p>
         </p:txBody>
       </p:sp>
@@ -16327,7 +16327,7 @@
             </a:lvl1pPr>
           </a:lstStyle>
           <a:p>
-            <a:endParaRPr lang="en-US"/>
+            <a:endParaRPr lang="en-US" dirty="0"/>
           </a:p>
         </p:txBody>
       </p:sp>
@@ -16364,7 +16364,7 @@
               <a:pPr/>
               <a:t>‹#›</a:t>
             </a:fld>
-            <a:endParaRPr lang="en-US"/>
+            <a:endParaRPr lang="en-US" dirty="0"/>
           </a:p>
         </p:txBody>
       </p:sp>
@@ -16602,7 +16602,7 @@
               <a:rPr lang="en-US" dirty="0"/>
               <a:t>2/26/2023</a:t>
             </a:fld>
-            <a:endParaRPr lang="en-US"/>
+            <a:endParaRPr lang="en-US" dirty="0"/>
           </a:p>
         </p:txBody>
       </p:sp>
@@ -16640,7 +16640,7 @@
             </a:lvl1pPr>
           </a:lstStyle>
           <a:p>
-            <a:endParaRPr lang="en-US"/>
+            <a:endParaRPr lang="en-US" dirty="0"/>
           </a:p>
         </p:txBody>
       </p:sp>
@@ -16683,7 +16683,7 @@
               <a:pPr/>
               <a:t>‹#›</a:t>
             </a:fld>
-            <a:endParaRPr lang="en-US"/>
+            <a:endParaRPr lang="en-US" dirty="0"/>
           </a:p>
         </p:txBody>
       </p:sp>
@@ -17130,7 +17130,7 @@
           <a:lstStyle/>
           <a:p>
             <a:r>
-              <a:rPr lang="en-GB" sz="2800"/>
+              <a:rPr lang="en-GB" sz="2800" dirty="0"/>
               <a:t>Manhattan to the Brooklyn bridge in 10?</a:t>
             </a:r>
           </a:p>
@@ -17159,20 +17159,20 @@
           <a:lstStyle/>
           <a:p>
             <a:pPr algn="ctr"/>
-            <a:endParaRPr lang="en-GB"/>
+            <a:endParaRPr lang="en-GB" dirty="0"/>
           </a:p>
           <a:p>
-            <a:endParaRPr lang="en-GB"/>
+            <a:endParaRPr lang="en-GB" dirty="0"/>
           </a:p>
           <a:p>
             <a:r>
-              <a:rPr lang="en-GB" sz="2400">
+              <a:rPr lang="en-GB" sz="2400" dirty="0">
                 <a:ea typeface="+mn-lt"/>
                 <a:cs typeface="+mn-lt"/>
               </a:rPr>
               <a:t>We Have Seen The Future!</a:t>
             </a:r>
-            <a:endParaRPr lang="en-GB" sz="2400"/>
+            <a:endParaRPr lang="en-GB" sz="2400" dirty="0"/>
           </a:p>
         </p:txBody>
       </p:sp>
@@ -17209,10 +17209,9 @@
           <a:p>
             <a:pPr algn="l"/>
             <a:r>
-              <a:rPr lang="en-US" sz="5400" err="1"/>
+              <a:rPr lang="en-US" sz="5400" dirty="0"/>
               <a:t>ZenDrive</a:t>
             </a:r>
-            <a:endParaRPr lang="en-US" sz="5400"/>
           </a:p>
         </p:txBody>
       </p:sp>
@@ -17393,111 +17392,6 @@
           <a:chExt cx="0" cy="0"/>
         </a:xfrm>
       </p:grpSpPr>
-      <p:sp>
-        <p:nvSpPr>
-          <p:cNvPr id="2" name="Title 1">
-            <a:extLst>
-              <a:ext uri="{FF2B5EF4-FFF2-40B4-BE49-F238E27FC236}">
-                <a16:creationId xmlns:a16="http://schemas.microsoft.com/office/drawing/2014/main" id="{9CEB1C90-9976-50CA-5C2E-4EC62AB51638}"/>
-              </a:ext>
-            </a:extLst>
-          </p:cNvPr>
-          <p:cNvSpPr>
-            <a:spLocks noGrp="1"/>
-          </p:cNvSpPr>
-          <p:nvPr>
-            <p:ph type="title"/>
-          </p:nvPr>
-        </p:nvSpPr>
-        <p:spPr>
-          <a:xfrm>
-            <a:off x="1066800" y="642594"/>
-            <a:ext cx="10058400" cy="1371600"/>
-          </a:xfrm>
-        </p:spPr>
-        <p:txBody>
-          <a:bodyPr>
-            <a:normAutofit/>
-          </a:bodyPr>
-          <a:lstStyle/>
-          <a:p>
-            <a:pPr algn="ctr"/>
-            <a:r>
-              <a:rPr lang="en-US"/>
-              <a:t>FACETS AND FASCINATION</a:t>
-            </a:r>
-          </a:p>
-        </p:txBody>
-      </p:sp>
-      <p:graphicFrame>
-        <p:nvGraphicFramePr>
-          <p:cNvPr id="5" name="Content Placeholder 2">
-            <a:extLst>
-              <a:ext uri="{FF2B5EF4-FFF2-40B4-BE49-F238E27FC236}">
-                <a16:creationId xmlns:a16="http://schemas.microsoft.com/office/drawing/2014/main" id="{97DFBB8D-4FF8-2CAA-A199-BAD99AF80466}"/>
-              </a:ext>
-            </a:extLst>
-          </p:cNvPr>
-          <p:cNvGraphicFramePr>
-            <a:graphicFrameLocks noGrp="1"/>
-          </p:cNvGraphicFramePr>
-          <p:nvPr>
-            <p:ph idx="1"/>
-            <p:extLst>
-              <p:ext uri="{D42A27DB-BD31-4B8C-83A1-F6EECF244321}">
-                <p14:modId xmlns:p14="http://schemas.microsoft.com/office/powerpoint/2010/main" val="1936105185"/>
-              </p:ext>
-            </p:extLst>
-          </p:nvPr>
-        </p:nvGraphicFramePr>
-        <p:xfrm>
-          <a:off x="487251" y="1333416"/>
-          <a:ext cx="11163836" cy="5131554"/>
-        </p:xfrm>
-        <a:graphic>
-          <a:graphicData uri="http://schemas.openxmlformats.org/drawingml/2006/diagram">
-            <dgm:relIds xmlns:dgm="http://schemas.openxmlformats.org/drawingml/2006/diagram" xmlns:r="http://schemas.openxmlformats.org/officeDocument/2006/relationships" r:dm="rId2" r:lo="rId3" r:qs="rId4" r:cs="rId5"/>
-          </a:graphicData>
-        </a:graphic>
-      </p:graphicFrame>
-    </p:spTree>
-    <p:extLst>
-      <p:ext uri="{BB962C8B-B14F-4D97-AF65-F5344CB8AC3E}">
-        <p14:creationId xmlns:p14="http://schemas.microsoft.com/office/powerpoint/2010/main" val="739186066"/>
-      </p:ext>
-    </p:extLst>
-  </p:cSld>
-  <p:clrMapOvr>
-    <a:masterClrMapping/>
-  </p:clrMapOvr>
-</p:sld>
-</file>
-
-<file path=ppt/slides/slide11.xml><?xml version="1.0" encoding="utf-8"?>
-<p:sld xmlns:a="http://schemas.openxmlformats.org/drawingml/2006/main" xmlns:r="http://schemas.openxmlformats.org/officeDocument/2006/relationships" xmlns:p="http://schemas.openxmlformats.org/presentationml/2006/main">
-  <p:cSld>
-    <p:bg>
-      <p:bgPr>
-        <a:solidFill>
-          <a:schemeClr val="bg1"/>
-        </a:solidFill>
-        <a:effectLst/>
-      </p:bgPr>
-    </p:bg>
-    <p:spTree>
-      <p:nvGrpSpPr>
-        <p:cNvPr id="1" name=""/>
-        <p:cNvGrpSpPr/>
-        <p:nvPr/>
-      </p:nvGrpSpPr>
-      <p:grpSpPr>
-        <a:xfrm>
-          <a:off x="0" y="0"/>
-          <a:ext cx="0" cy="0"/>
-          <a:chOff x="0" y="0"/>
-          <a:chExt cx="0" cy="0"/>
-        </a:xfrm>
-      </p:grpSpPr>
       <p:sp useBgFill="1">
         <p:nvSpPr>
           <p:cNvPr id="17" name="Rectangle 16">
@@ -17554,7 +17448,7 @@
           <a:lstStyle/>
           <a:p>
             <a:pPr algn="ctr"/>
-            <a:endParaRPr lang="en-US"/>
+            <a:endParaRPr lang="en-US" dirty="0"/>
           </a:p>
         </p:txBody>
       </p:sp>
@@ -17614,7 +17508,7 @@
           <a:lstStyle/>
           <a:p>
             <a:pPr algn="ctr"/>
-            <a:endParaRPr lang="en-US"/>
+            <a:endParaRPr lang="en-US" dirty="0"/>
           </a:p>
         </p:txBody>
       </p:sp>
@@ -17648,7 +17542,7 @@
           <a:p>
             <a:pPr algn="r"/>
             <a:r>
-              <a:rPr lang="en-US" sz="4000">
+              <a:rPr lang="en-US" sz="4000" dirty="0">
                 <a:solidFill>
                   <a:srgbClr val="FFFFFF"/>
                 </a:solidFill>
@@ -17656,14 +17550,14 @@
               <a:t>VALOR</a:t>
             </a:r>
             <a:br>
-              <a:rPr lang="en-US" sz="4000">
+              <a:rPr lang="en-US" sz="4000" dirty="0">
                 <a:solidFill>
                   <a:srgbClr val="FFFFFF"/>
                 </a:solidFill>
               </a:rPr>
             </a:br>
             <a:r>
-              <a:rPr lang="en-US" sz="4000">
+              <a:rPr lang="en-US" sz="4000" dirty="0">
                 <a:solidFill>
                   <a:srgbClr val="FFFFFF"/>
                 </a:solidFill>
@@ -17759,7 +17653,7 @@
               </a:lnSpc>
             </a:pPr>
             <a:r>
-              <a:rPr lang="en-US" sz="1300">
+              <a:rPr lang="en-US" sz="1300" dirty="0">
                 <a:solidFill>
                   <a:srgbClr val="FFFFFF"/>
                 </a:solidFill>
@@ -17768,7 +17662,7 @@
               </a:rPr>
               <a:t>Neural networks, also known as artificial neural networks (ANNs) or simulated neural networks (SNNs), are a subset of machine learning and are at the heart of deep learning algorithms. Their name and structure are inspired by the human brain, mimicking the way that biological neurons signal to one another.</a:t>
             </a:r>
-            <a:endParaRPr lang="en-US" sz="1300">
+            <a:endParaRPr lang="en-US" sz="1300" dirty="0">
               <a:solidFill>
                 <a:srgbClr val="FFFFFF"/>
               </a:solidFill>
@@ -17784,7 +17678,7 @@
               </a:buClr>
             </a:pPr>
             <a:r>
-              <a:rPr lang="en-US" sz="1300">
+              <a:rPr lang="en-US" sz="1300" dirty="0">
                 <a:solidFill>
                   <a:srgbClr val="FFFFFF"/>
                 </a:solidFill>
@@ -17793,7 +17687,7 @@
               </a:rPr>
               <a:t>Artificial neural networks (ANNs) are comprised of a node layers, containing an input layer, one or more hidden layers, and an output layer. Each node, or artificial neuron, connects to another and has an associated weight and threshold. If the output of any individual node is above the specified threshold value, that node is activated, sending data to the next layer of the network. Otherwise, no data is passed along to the next layer of the network.</a:t>
             </a:r>
-            <a:endParaRPr lang="en-US" sz="1300">
+            <a:endParaRPr lang="en-US" sz="1300" dirty="0">
               <a:solidFill>
                 <a:srgbClr val="FFFFFF"/>
               </a:solidFill>
@@ -17809,7 +17703,7 @@
               </a:buClr>
             </a:pPr>
             <a:r>
-              <a:rPr lang="en-US" sz="1300">
+              <a:rPr lang="en-US" sz="1300" dirty="0">
                 <a:solidFill>
                   <a:srgbClr val="FFFFFF"/>
                 </a:solidFill>
@@ -17818,7 +17712,7 @@
               </a:rPr>
               <a:t>∑wixi + bias = w1x1 + w2x2 + w3x3 + bias</a:t>
             </a:r>
-            <a:endParaRPr lang="en-US" sz="1300">
+            <a:endParaRPr lang="en-US" sz="1300" dirty="0">
               <a:solidFill>
                 <a:srgbClr val="FFFFFF"/>
               </a:solidFill>
@@ -17834,7 +17728,7 @@
               </a:buClr>
             </a:pPr>
             <a:r>
-              <a:rPr lang="en-US" sz="1300">
+              <a:rPr lang="en-US" sz="1300" dirty="0">
                 <a:solidFill>
                   <a:srgbClr val="FFFFFF"/>
                 </a:solidFill>
@@ -17843,7 +17737,7 @@
               </a:rPr>
               <a:t>output = f(x) = 1 if ∑w1x1 + b&gt;= 0; 0 if ∑w1x1 + b &lt; 0</a:t>
             </a:r>
-            <a:endParaRPr lang="en-US" sz="1300">
+            <a:endParaRPr lang="en-US" sz="1300" dirty="0">
               <a:solidFill>
                 <a:srgbClr val="FFFFFF"/>
               </a:solidFill>
@@ -17859,7 +17753,7 @@
               </a:buClr>
             </a:pPr>
             <a:r>
-              <a:rPr lang="en-US" sz="1300">
+              <a:rPr lang="en-US" sz="1300" dirty="0">
                 <a:solidFill>
                   <a:srgbClr val="FFFFFF"/>
                 </a:solidFill>
@@ -17868,7 +17762,7 @@
               </a:rPr>
               <a:t>Once an input layer is determined, weights are assigned. These weights help determine the importance of any given variable, with larger ones contributing more significantly to the output compared to other inputs. All inputs are then multiplied by their respective weights and then summed. Afterward, the output is passed through an activation function, which determines the output. If that output exceeds a given threshold, it “fires” (or activates) the node, passing data to the next layer in the network. This results in the output of one node becoming in the input of the next node. This process of passing data from one layer to the next layer defines this neural network as a feedforward network.</a:t>
             </a:r>
-            <a:endParaRPr lang="en-US" sz="1300">
+            <a:endParaRPr lang="en-US" sz="1300" dirty="0">
               <a:solidFill>
                 <a:srgbClr val="FFFFFF"/>
               </a:solidFill>
@@ -17883,7 +17777,7 @@
                 <a:srgbClr val="262626"/>
               </a:buClr>
             </a:pPr>
-            <a:endParaRPr lang="en-US" sz="1300">
+            <a:endParaRPr lang="en-US" sz="1300" dirty="0">
               <a:solidFill>
                 <a:srgbClr val="FFFFFF"/>
               </a:solidFill>
@@ -17898,7 +17792,7 @@
                 <a:srgbClr val="262626"/>
               </a:buClr>
             </a:pPr>
-            <a:endParaRPr lang="en-US" sz="1300">
+            <a:endParaRPr lang="en-US" sz="1300" dirty="0">
               <a:solidFill>
                 <a:srgbClr val="FFFFFF"/>
               </a:solidFill>
@@ -17919,7 +17813,7 @@
 </p:sld>
 </file>
 
-<file path=ppt/slides/slide12.xml><?xml version="1.0" encoding="utf-8"?>
+<file path=ppt/slides/slide11.xml><?xml version="1.0" encoding="utf-8"?>
 <p:sld xmlns:a="http://schemas.openxmlformats.org/drawingml/2006/main" xmlns:r="http://schemas.openxmlformats.org/officeDocument/2006/relationships" xmlns:p="http://schemas.openxmlformats.org/presentationml/2006/main">
   <p:cSld>
     <p:bg>
@@ -18003,7 +17897,7 @@
           <a:lstStyle/>
           <a:p>
             <a:pPr algn="ctr"/>
-            <a:endParaRPr lang="en-US"/>
+            <a:endParaRPr lang="en-US" dirty="0"/>
           </a:p>
         </p:txBody>
       </p:sp>
@@ -18072,7 +17966,7 @@
           <a:lstStyle/>
           <a:p>
             <a:r>
-              <a:rPr lang="en-US"/>
+              <a:rPr lang="en-US" dirty="0"/>
               <a:t>IMPLEMENTATION</a:t>
             </a:r>
           </a:p>
@@ -18107,7 +18001,7 @@
           <a:lstStyle/>
           <a:p>
             <a:r>
-              <a:rPr lang="en-US"/>
+              <a:rPr lang="en-US" dirty="0"/>
               <a:t>Used Machine Learning Libraries to structure an Artificial Neural Network Model which harnesses the in-depth complexity and niche genuineness of its inter-branching  layers to map different facets of the traffic data collected in form of a CSV file.</a:t>
             </a:r>
           </a:p>
@@ -18117,7 +18011,7 @@
                 <a:srgbClr val="262626"/>
               </a:buClr>
             </a:pPr>
-            <a:endParaRPr lang="en-US"/>
+            <a:endParaRPr lang="en-US" dirty="0"/>
           </a:p>
           <a:p>
             <a:pPr>
@@ -18126,18 +18020,18 @@
               </a:buClr>
             </a:pPr>
             <a:r>
-              <a:rPr lang="en-US"/>
+              <a:rPr lang="en-US" dirty="0"/>
               <a:t>More than 2.6 million data entries of different years of traffic data from cities like San Francisco,</a:t>
             </a:r>
             <a:r>
-              <a:rPr lang="en-US">
+              <a:rPr lang="en-US" dirty="0">
                 <a:ea typeface="+mn-lt"/>
                 <a:cs typeface="+mn-lt"/>
               </a:rPr>
               <a:t> New York City,</a:t>
             </a:r>
             <a:r>
-              <a:rPr lang="en-US"/>
+              <a:rPr lang="en-US" dirty="0"/>
               <a:t> and others were fed to the model to contiguously train It and mark changes in its ever-growing efficiency over time.</a:t>
             </a:r>
           </a:p>
@@ -18147,7 +18041,7 @@
                 <a:srgbClr val="262626"/>
               </a:buClr>
             </a:pPr>
-            <a:endParaRPr lang="en-US"/>
+            <a:endParaRPr lang="en-US" dirty="0"/>
           </a:p>
           <a:p>
             <a:pPr>
@@ -18156,7 +18050,7 @@
               </a:buClr>
             </a:pPr>
             <a:r>
-              <a:rPr lang="en-US"/>
+              <a:rPr lang="en-US" dirty="0"/>
               <a:t>The ANN model builds connections between dynamic variables of uncertainty like current traffic, road signs, initial location, destination constraints, and many more to predict the most accurate average speed the rider would experience in the city.</a:t>
             </a:r>
           </a:p>
@@ -18242,7 +18136,7 @@
               </a:spcAft>
             </a:pPr>
             <a:r>
-              <a:rPr lang="en-US" sz="700">
+              <a:rPr lang="en-US" sz="700" dirty="0">
                 <a:solidFill>
                   <a:srgbClr val="FFFFFF"/>
                 </a:solidFill>
@@ -18257,7 +18151,7 @@
               <a:t>This Photo</a:t>
             </a:r>
             <a:r>
-              <a:rPr lang="en-US" sz="700">
+              <a:rPr lang="en-US" sz="700" dirty="0">
                 <a:solidFill>
                   <a:srgbClr val="FFFFFF"/>
                 </a:solidFill>
@@ -18265,7 +18159,7 @@
               <a:t> by Unknown author is licensed under </a:t>
             </a:r>
             <a:r>
-              <a:rPr lang="en-US" sz="700">
+              <a:rPr lang="en-US" sz="700" dirty="0">
                 <a:solidFill>
                   <a:srgbClr val="FFFFFF"/>
                 </a:solidFill>
@@ -18280,7 +18174,7 @@
               <a:t>CC BY-SA</a:t>
             </a:r>
             <a:r>
-              <a:rPr lang="en-US" sz="700">
+              <a:rPr lang="en-US" sz="700" dirty="0">
                 <a:solidFill>
                   <a:srgbClr val="FFFFFF"/>
                 </a:solidFill>
@@ -18303,7 +18197,7 @@
 </p:sld>
 </file>
 
-<file path=ppt/slides/slide13.xml><?xml version="1.0" encoding="utf-8"?>
+<file path=ppt/slides/slide12.xml><?xml version="1.0" encoding="utf-8"?>
 <p:sld xmlns:a="http://schemas.openxmlformats.org/drawingml/2006/main" xmlns:r="http://schemas.openxmlformats.org/officeDocument/2006/relationships" xmlns:p="http://schemas.openxmlformats.org/presentationml/2006/main">
   <p:cSld>
     <p:bg>
@@ -18384,7 +18278,7 @@
           <a:lstStyle/>
           <a:p>
             <a:pPr algn="ctr"/>
-            <a:endParaRPr lang="en-US"/>
+            <a:endParaRPr lang="en-US" dirty="0"/>
           </a:p>
         </p:txBody>
       </p:sp>
@@ -18461,7 +18355,7 @@
           <a:p>
             <a:pPr algn="ctr"/>
             <a:r>
-              <a:rPr lang="en-US" sz="4100"/>
+              <a:rPr lang="en-US" sz="4100" dirty="0"/>
               <a:t>COMPARISON HOOKS</a:t>
             </a:r>
           </a:p>
@@ -18511,7 +18405,7 @@
 </p:sld>
 </file>
 
-<file path=ppt/slides/slide14.xml><?xml version="1.0" encoding="utf-8"?>
+<file path=ppt/slides/slide13.xml><?xml version="1.0" encoding="utf-8"?>
 <p:sld xmlns:a="http://schemas.openxmlformats.org/drawingml/2006/main" xmlns:r="http://schemas.openxmlformats.org/officeDocument/2006/relationships" xmlns:p="http://schemas.openxmlformats.org/presentationml/2006/main">
   <p:cSld>
     <p:bg>
@@ -18595,7 +18489,7 @@
           <a:lstStyle/>
           <a:p>
             <a:pPr algn="ctr"/>
-            <a:endParaRPr lang="en-US"/>
+            <a:endParaRPr lang="en-US" dirty="0"/>
           </a:p>
         </p:txBody>
       </p:sp>
@@ -18715,13 +18609,13 @@
           <a:p>
             <a:pPr algn="ctr"/>
             <a:r>
-              <a:rPr lang="en-US" sz="9600">
+              <a:rPr lang="en-US" sz="9600" dirty="0">
                 <a:ea typeface="+mj-lt"/>
                 <a:cs typeface="+mj-lt"/>
               </a:rPr>
               <a:t>FINDINGS</a:t>
             </a:r>
-            <a:endParaRPr lang="en-US" sz="9600"/>
+            <a:endParaRPr lang="en-US" sz="9600" dirty="0"/>
           </a:p>
         </p:txBody>
       </p:sp>
@@ -18753,7 +18647,7 @@
           </a:bodyPr>
           <a:lstStyle/>
           <a:p>
-            <a:endParaRPr lang="en-US"/>
+            <a:endParaRPr lang="en-US" dirty="0"/>
           </a:p>
           <a:p>
             <a:pPr>
@@ -18761,7 +18655,7 @@
                 <a:srgbClr val="262626"/>
               </a:buClr>
             </a:pPr>
-            <a:endParaRPr lang="en-US"/>
+            <a:endParaRPr lang="en-US" dirty="0"/>
           </a:p>
           <a:p>
             <a:pPr>
@@ -18769,7 +18663,7 @@
                 <a:srgbClr val="262626"/>
               </a:buClr>
             </a:pPr>
-            <a:endParaRPr lang="en-US"/>
+            <a:endParaRPr lang="en-US" dirty="0"/>
           </a:p>
           <a:p>
             <a:pPr marL="0" indent="0">
@@ -18778,7 +18672,7 @@
               </a:buClr>
               <a:buNone/>
             </a:pPr>
-            <a:endParaRPr lang="en-US"/>
+            <a:endParaRPr lang="en-US" dirty="0"/>
           </a:p>
           <a:p>
             <a:pPr>
@@ -18786,7 +18680,7 @@
                 <a:srgbClr val="262626"/>
               </a:buClr>
             </a:pPr>
-            <a:endParaRPr lang="en-US"/>
+            <a:endParaRPr lang="en-US" dirty="0"/>
           </a:p>
           <a:p>
             <a:pPr>
@@ -18794,7 +18688,7 @@
                 <a:srgbClr val="262626"/>
               </a:buClr>
             </a:pPr>
-            <a:endParaRPr lang="en-US"/>
+            <a:endParaRPr lang="en-US" dirty="0"/>
           </a:p>
         </p:txBody>
       </p:sp>
@@ -18825,7 +18719,7 @@
           </a:bodyPr>
           <a:lstStyle/>
           <a:p>
-            <a:endParaRPr lang="en-US"/>
+            <a:endParaRPr lang="en-US" dirty="0"/>
           </a:p>
         </p:txBody>
       </p:sp>
@@ -18842,7 +18736,7 @@
 </p:sld>
 </file>
 
-<file path=ppt/slides/slide15.xml><?xml version="1.0" encoding="utf-8"?>
+<file path=ppt/slides/slide14.xml><?xml version="1.0" encoding="utf-8"?>
 <p:sld xmlns:a="http://schemas.openxmlformats.org/drawingml/2006/main" xmlns:r="http://schemas.openxmlformats.org/officeDocument/2006/relationships" xmlns:p="http://schemas.openxmlformats.org/presentationml/2006/main">
   <p:cSld>
     <p:bg>
@@ -18926,7 +18820,7 @@
           <a:lstStyle/>
           <a:p>
             <a:pPr algn="ctr"/>
-            <a:endParaRPr lang="en-US"/>
+            <a:endParaRPr lang="en-US" dirty="0"/>
           </a:p>
         </p:txBody>
       </p:sp>
@@ -18986,7 +18880,7 @@
           <a:lstStyle/>
           <a:p>
             <a:pPr algn="ctr"/>
-            <a:endParaRPr lang="en-US"/>
+            <a:endParaRPr lang="en-US" dirty="0"/>
           </a:p>
         </p:txBody>
       </p:sp>
@@ -19114,7 +19008,7 @@
           </a:bodyPr>
           <a:lstStyle/>
           <a:p>
-            <a:endParaRPr lang="en-US" sz="1600">
+            <a:endParaRPr lang="en-US" sz="1600" dirty="0">
               <a:solidFill>
                 <a:srgbClr val="FFFFFF"/>
               </a:solidFill>
@@ -19126,7 +19020,7 @@
                 <a:srgbClr val="262626"/>
               </a:buClr>
             </a:pPr>
-            <a:endParaRPr lang="en-US" sz="1600">
+            <a:endParaRPr lang="en-US" sz="1600" dirty="0">
               <a:solidFill>
                 <a:srgbClr val="FFFFFF"/>
               </a:solidFill>
@@ -19138,7 +19032,7 @@
                 <a:srgbClr val="262626"/>
               </a:buClr>
             </a:pPr>
-            <a:endParaRPr lang="en-US" sz="1600">
+            <a:endParaRPr lang="en-US" sz="1600" dirty="0">
               <a:solidFill>
                 <a:srgbClr val="FFFFFF"/>
               </a:solidFill>
@@ -19150,7 +19044,7 @@
                 <a:srgbClr val="262626"/>
               </a:buClr>
             </a:pPr>
-            <a:endParaRPr lang="en-US" sz="2400">
+            <a:endParaRPr lang="en-US" sz="2400" dirty="0">
               <a:solidFill>
                 <a:srgbClr val="FFFFFF"/>
               </a:solidFill>
@@ -19163,7 +19057,7 @@
               </a:buClr>
             </a:pPr>
             <a:r>
-              <a:rPr lang="en-US" sz="2400">
+              <a:rPr lang="en-US" sz="2400" dirty="0">
                 <a:solidFill>
                   <a:srgbClr val="FFFFFF"/>
                 </a:solidFill>
@@ -19177,7 +19071,7 @@
                 <a:srgbClr val="262626"/>
               </a:buClr>
             </a:pPr>
-            <a:endParaRPr lang="en-US" sz="1600">
+            <a:endParaRPr lang="en-US" sz="1600" dirty="0">
               <a:solidFill>
                 <a:srgbClr val="FFFFFF"/>
               </a:solidFill>
@@ -19189,7 +19083,7 @@
                 <a:srgbClr val="262626"/>
               </a:buClr>
             </a:pPr>
-            <a:endParaRPr lang="en-US" sz="1600">
+            <a:endParaRPr lang="en-US" sz="1600" dirty="0">
               <a:solidFill>
                 <a:srgbClr val="FFFFFF"/>
               </a:solidFill>
@@ -19210,7 +19104,7 @@
 </p:sld>
 </file>
 
-<file path=ppt/slides/slide16.xml><?xml version="1.0" encoding="utf-8"?>
+<file path=ppt/slides/slide15.xml><?xml version="1.0" encoding="utf-8"?>
 <p:sld xmlns:a="http://schemas.openxmlformats.org/drawingml/2006/main" xmlns:r="http://schemas.openxmlformats.org/officeDocument/2006/relationships" xmlns:p="http://schemas.openxmlformats.org/presentationml/2006/main">
   <p:cSld>
     <p:bg>
@@ -19294,7 +19188,7 @@
           <a:lstStyle/>
           <a:p>
             <a:pPr algn="ctr"/>
-            <a:endParaRPr lang="en-US"/>
+            <a:endParaRPr lang="en-US" dirty="0"/>
           </a:p>
         </p:txBody>
       </p:sp>
@@ -19354,7 +19248,7 @@
           <a:lstStyle/>
           <a:p>
             <a:pPr algn="ctr"/>
-            <a:endParaRPr lang="en-US"/>
+            <a:endParaRPr lang="en-US" dirty="0"/>
           </a:p>
         </p:txBody>
       </p:sp>
@@ -19482,7 +19376,7 @@
           </a:bodyPr>
           <a:lstStyle/>
           <a:p>
-            <a:endParaRPr lang="en-US" sz="1600">
+            <a:endParaRPr lang="en-US" sz="1600" dirty="0">
               <a:solidFill>
                 <a:srgbClr val="FFFFFF"/>
               </a:solidFill>
@@ -19494,7 +19388,7 @@
                 <a:srgbClr val="262626"/>
               </a:buClr>
             </a:pPr>
-            <a:endParaRPr lang="en-US" sz="1600">
+            <a:endParaRPr lang="en-US" sz="1600" dirty="0">
               <a:solidFill>
                 <a:srgbClr val="FFFFFF"/>
               </a:solidFill>
@@ -19506,7 +19400,7 @@
                 <a:srgbClr val="262626"/>
               </a:buClr>
             </a:pPr>
-            <a:endParaRPr lang="en-US" sz="1600">
+            <a:endParaRPr lang="en-US" sz="1600" dirty="0">
               <a:solidFill>
                 <a:srgbClr val="FFFFFF"/>
               </a:solidFill>
@@ -19518,7 +19412,7 @@
                 <a:srgbClr val="262626"/>
               </a:buClr>
             </a:pPr>
-            <a:endParaRPr lang="en-US" sz="1600">
+            <a:endParaRPr lang="en-US" sz="1600" dirty="0">
               <a:solidFill>
                 <a:srgbClr val="FFFFFF"/>
               </a:solidFill>
@@ -19530,7 +19424,7 @@
                 <a:srgbClr val="262626"/>
               </a:buClr>
             </a:pPr>
-            <a:endParaRPr lang="en-US" sz="1600">
+            <a:endParaRPr lang="en-US" sz="1600" dirty="0">
               <a:solidFill>
                 <a:srgbClr val="FFFFFF"/>
               </a:solidFill>
@@ -19543,7 +19437,7 @@
               </a:buClr>
             </a:pPr>
             <a:r>
-              <a:rPr lang="en-US" sz="2000">
+              <a:rPr lang="en-US" sz="2000" dirty="0">
                 <a:solidFill>
                   <a:srgbClr val="FFFFFF"/>
                 </a:solidFill>
@@ -19566,7 +19460,7 @@
 </p:sld>
 </file>
 
-<file path=ppt/slides/slide17.xml><?xml version="1.0" encoding="utf-8"?>
+<file path=ppt/slides/slide16.xml><?xml version="1.0" encoding="utf-8"?>
 <p:sld xmlns:a="http://schemas.openxmlformats.org/drawingml/2006/main" xmlns:r="http://schemas.openxmlformats.org/officeDocument/2006/relationships" xmlns:p="http://schemas.openxmlformats.org/presentationml/2006/main">
   <p:cSld>
     <p:bg>
@@ -19650,7 +19544,7 @@
           <a:lstStyle/>
           <a:p>
             <a:pPr algn="ctr"/>
-            <a:endParaRPr lang="en-US"/>
+            <a:endParaRPr lang="en-US" dirty="0"/>
           </a:p>
         </p:txBody>
       </p:sp>
@@ -19710,7 +19604,7 @@
           <a:lstStyle/>
           <a:p>
             <a:pPr algn="ctr"/>
-            <a:endParaRPr lang="en-US"/>
+            <a:endParaRPr lang="en-US" dirty="0"/>
           </a:p>
         </p:txBody>
       </p:sp>
@@ -19808,7 +19702,7 @@
           </a:bodyPr>
           <a:lstStyle/>
           <a:p>
-            <a:endParaRPr lang="en-US" sz="1600">
+            <a:endParaRPr lang="en-US" sz="1600" dirty="0">
               <a:solidFill>
                 <a:srgbClr val="FFFFFF"/>
               </a:solidFill>
@@ -19820,7 +19714,7 @@
                 <a:srgbClr val="262626"/>
               </a:buClr>
             </a:pPr>
-            <a:endParaRPr lang="en-US" sz="1600">
+            <a:endParaRPr lang="en-US" sz="1600" dirty="0">
               <a:solidFill>
                 <a:srgbClr val="FFFFFF"/>
               </a:solidFill>
@@ -19832,7 +19726,7 @@
                 <a:srgbClr val="262626"/>
               </a:buClr>
             </a:pPr>
-            <a:endParaRPr lang="en-US" sz="1600">
+            <a:endParaRPr lang="en-US" sz="1600" dirty="0">
               <a:solidFill>
                 <a:srgbClr val="FFFFFF"/>
               </a:solidFill>
@@ -19844,7 +19738,7 @@
                 <a:srgbClr val="262626"/>
               </a:buClr>
             </a:pPr>
-            <a:endParaRPr lang="en-US" sz="1600">
+            <a:endParaRPr lang="en-US" sz="1600" dirty="0">
               <a:solidFill>
                 <a:srgbClr val="FFFFFF"/>
               </a:solidFill>
@@ -19856,7 +19750,7 @@
                 <a:srgbClr val="262626"/>
               </a:buClr>
             </a:pPr>
-            <a:endParaRPr lang="en-US" sz="1600">
+            <a:endParaRPr lang="en-US" sz="1600" dirty="0">
               <a:solidFill>
                 <a:srgbClr val="FFFFFF"/>
               </a:solidFill>
@@ -19869,7 +19763,7 @@
               </a:buClr>
             </a:pPr>
             <a:r>
-              <a:rPr lang="en-US" sz="2400">
+              <a:rPr lang="en-US" sz="2400" dirty="0">
                 <a:solidFill>
                   <a:srgbClr val="FFFFFF"/>
                 </a:solidFill>
@@ -19922,7 +19816,7 @@
 </p:sld>
 </file>
 
-<file path=ppt/slides/slide18.xml><?xml version="1.0" encoding="utf-8"?>
+<file path=ppt/slides/slide17.xml><?xml version="1.0" encoding="utf-8"?>
 <p:sld xmlns:a="http://schemas.openxmlformats.org/drawingml/2006/main" xmlns:r="http://schemas.openxmlformats.org/officeDocument/2006/relationships" xmlns:p="http://schemas.openxmlformats.org/presentationml/2006/main">
   <p:cSld>
     <p:bg>
@@ -20006,7 +19900,7 @@
           <a:lstStyle/>
           <a:p>
             <a:pPr algn="ctr"/>
-            <a:endParaRPr lang="en-US"/>
+            <a:endParaRPr lang="en-US" dirty="0"/>
           </a:p>
         </p:txBody>
       </p:sp>
@@ -20066,7 +19960,7 @@
           <a:lstStyle/>
           <a:p>
             <a:pPr algn="ctr"/>
-            <a:endParaRPr lang="en-US"/>
+            <a:endParaRPr lang="en-US" dirty="0"/>
           </a:p>
         </p:txBody>
       </p:sp>
@@ -20194,7 +20088,7 @@
           </a:bodyPr>
           <a:lstStyle/>
           <a:p>
-            <a:endParaRPr lang="en-US" sz="1600">
+            <a:endParaRPr lang="en-US" sz="1600" dirty="0">
               <a:solidFill>
                 <a:srgbClr val="FFFFFF"/>
               </a:solidFill>
@@ -20206,7 +20100,7 @@
                 <a:srgbClr val="262626"/>
               </a:buClr>
             </a:pPr>
-            <a:endParaRPr lang="en-US" sz="1600">
+            <a:endParaRPr lang="en-US" sz="1600" dirty="0">
               <a:solidFill>
                 <a:srgbClr val="FFFFFF"/>
               </a:solidFill>
@@ -20218,7 +20112,7 @@
                 <a:srgbClr val="262626"/>
               </a:buClr>
             </a:pPr>
-            <a:endParaRPr lang="en-US" sz="1600">
+            <a:endParaRPr lang="en-US" sz="1600" dirty="0">
               <a:solidFill>
                 <a:srgbClr val="FFFFFF"/>
               </a:solidFill>
@@ -20230,7 +20124,7 @@
                 <a:srgbClr val="262626"/>
               </a:buClr>
             </a:pPr>
-            <a:endParaRPr lang="en-US" sz="1600">
+            <a:endParaRPr lang="en-US" sz="1600" dirty="0">
               <a:solidFill>
                 <a:srgbClr val="FFFFFF"/>
               </a:solidFill>
@@ -20242,7 +20136,7 @@
                 <a:srgbClr val="262626"/>
               </a:buClr>
             </a:pPr>
-            <a:endParaRPr lang="en-US" sz="1600">
+            <a:endParaRPr lang="en-US" sz="1600" dirty="0">
               <a:solidFill>
                 <a:srgbClr val="FFFFFF"/>
               </a:solidFill>
@@ -20256,7 +20150,7 @@
               <a:buNone/>
             </a:pPr>
             <a:r>
-              <a:rPr lang="en-US" sz="2400">
+              <a:rPr lang="en-US" sz="2400" dirty="0">
                 <a:solidFill>
                   <a:srgbClr val="FFFFFF"/>
                 </a:solidFill>
@@ -20279,7 +20173,7 @@
 </p:sld>
 </file>
 
-<file path=ppt/slides/slide19.xml><?xml version="1.0" encoding="utf-8"?>
+<file path=ppt/slides/slide18.xml><?xml version="1.0" encoding="utf-8"?>
 <p:sld xmlns:a="http://schemas.openxmlformats.org/drawingml/2006/main" xmlns:r="http://schemas.openxmlformats.org/officeDocument/2006/relationships" xmlns:p="http://schemas.openxmlformats.org/presentationml/2006/main">
   <p:cSld>
     <p:bg>
@@ -20363,7 +20257,7 @@
           <a:lstStyle/>
           <a:p>
             <a:pPr algn="ctr"/>
-            <a:endParaRPr lang="en-US"/>
+            <a:endParaRPr lang="en-US" dirty="0"/>
           </a:p>
         </p:txBody>
       </p:sp>
@@ -20423,7 +20317,7 @@
           <a:lstStyle/>
           <a:p>
             <a:pPr algn="ctr"/>
-            <a:endParaRPr lang="en-US"/>
+            <a:endParaRPr lang="en-US" dirty="0"/>
           </a:p>
         </p:txBody>
       </p:sp>
@@ -20551,7 +20445,7 @@
           </a:bodyPr>
           <a:lstStyle/>
           <a:p>
-            <a:endParaRPr lang="en-US" sz="1600">
+            <a:endParaRPr lang="en-US" sz="1600" dirty="0">
               <a:solidFill>
                 <a:srgbClr val="FFFFFF"/>
               </a:solidFill>
@@ -20563,7 +20457,7 @@
                 <a:srgbClr val="262626"/>
               </a:buClr>
             </a:pPr>
-            <a:endParaRPr lang="en-US" sz="1600">
+            <a:endParaRPr lang="en-US" sz="1600" dirty="0">
               <a:solidFill>
                 <a:srgbClr val="FFFFFF"/>
               </a:solidFill>
@@ -20575,7 +20469,7 @@
                 <a:srgbClr val="262626"/>
               </a:buClr>
             </a:pPr>
-            <a:endParaRPr lang="en-US" sz="1600">
+            <a:endParaRPr lang="en-US" sz="1600" dirty="0">
               <a:solidFill>
                 <a:srgbClr val="FFFFFF"/>
               </a:solidFill>
@@ -20587,7 +20481,7 @@
                 <a:srgbClr val="262626"/>
               </a:buClr>
             </a:pPr>
-            <a:endParaRPr lang="en-US" sz="1600">
+            <a:endParaRPr lang="en-US" sz="1600" dirty="0">
               <a:solidFill>
                 <a:srgbClr val="FFFFFF"/>
               </a:solidFill>
@@ -20599,7 +20493,7 @@
                 <a:srgbClr val="262626"/>
               </a:buClr>
             </a:pPr>
-            <a:endParaRPr lang="en-US" sz="1600">
+            <a:endParaRPr lang="en-US" sz="1600" dirty="0">
               <a:solidFill>
                 <a:srgbClr val="FFFFFF"/>
               </a:solidFill>
@@ -20612,14 +20506,14 @@
               </a:buClr>
             </a:pPr>
             <a:r>
-              <a:rPr lang="en-US" sz="2400">
+              <a:rPr lang="en-US" sz="2400" dirty="0">
                 <a:solidFill>
                   <a:srgbClr val="FFFFFF"/>
                 </a:solidFill>
               </a:rPr>
               <a:t>SEATTLE</a:t>
             </a:r>
-            <a:endParaRPr lang="en-US" sz="1600">
+            <a:endParaRPr lang="en-US" sz="1600" dirty="0">
               <a:solidFill>
                 <a:srgbClr val="FFFFFF"/>
               </a:solidFill>
@@ -20631,6 +20525,340 @@
     <p:extLst>
       <p:ext uri="{BB962C8B-B14F-4D97-AF65-F5344CB8AC3E}">
         <p14:creationId xmlns:p14="http://schemas.microsoft.com/office/powerpoint/2010/main" val="1885327209"/>
+      </p:ext>
+    </p:extLst>
+  </p:cSld>
+  <p:clrMapOvr>
+    <a:masterClrMapping/>
+  </p:clrMapOvr>
+</p:sld>
+</file>
+
+<file path=ppt/slides/slide19.xml><?xml version="1.0" encoding="utf-8"?>
+<p:sld xmlns:a="http://schemas.openxmlformats.org/drawingml/2006/main" xmlns:r="http://schemas.openxmlformats.org/officeDocument/2006/relationships" xmlns:p="http://schemas.openxmlformats.org/presentationml/2006/main">
+  <p:cSld>
+    <p:bg>
+      <p:bgPr>
+        <a:solidFill>
+          <a:schemeClr val="bg1"/>
+        </a:solidFill>
+        <a:effectLst/>
+      </p:bgPr>
+    </p:bg>
+    <p:spTree>
+      <p:nvGrpSpPr>
+        <p:cNvPr id="1" name=""/>
+        <p:cNvGrpSpPr/>
+        <p:nvPr/>
+      </p:nvGrpSpPr>
+      <p:grpSpPr>
+        <a:xfrm>
+          <a:off x="0" y="0"/>
+          <a:ext cx="0" cy="0"/>
+          <a:chOff x="0" y="0"/>
+          <a:chExt cx="0" cy="0"/>
+        </a:xfrm>
+      </p:grpSpPr>
+      <p:sp useBgFill="1">
+        <p:nvSpPr>
+          <p:cNvPr id="8" name="Rectangle 7">
+            <a:extLst>
+              <a:ext uri="{FF2B5EF4-FFF2-40B4-BE49-F238E27FC236}">
+                <a16:creationId xmlns:a16="http://schemas.microsoft.com/office/drawing/2014/main" id="{F04BED5A-E98E-4DA0-BAA5-4F6AB2492D6C}"/>
+              </a:ext>
+              <a:ext uri="{C183D7F6-B498-43B3-948B-1728B52AA6E4}">
+                <adec:decorative xmlns:adec="http://schemas.microsoft.com/office/drawing/2017/decorative" val="1"/>
+              </a:ext>
+            </a:extLst>
+          </p:cNvPr>
+          <p:cNvSpPr>
+            <a:spLocks noGrp="1" noRot="1" noChangeAspect="1" noMove="1" noResize="1" noEditPoints="1" noAdjustHandles="1" noChangeArrowheads="1" noChangeShapeType="1" noTextEdit="1"/>
+          </p:cNvSpPr>
+          <p:nvPr>
+            <p:extLst>
+              <p:ext uri="{386F3935-93C4-4BCD-93E2-E3B085C9AB24}">
+                <p16:designElem xmlns:p16="http://schemas.microsoft.com/office/powerpoint/2015/main" val="1"/>
+              </p:ext>
+            </p:extLst>
+          </p:nvPr>
+        </p:nvSpPr>
+        <p:spPr>
+          <a:xfrm>
+            <a:off x="0" y="0"/>
+            <a:ext cx="12192000" cy="6858000"/>
+          </a:xfrm>
+          <a:prstGeom prst="rect">
+            <a:avLst/>
+          </a:prstGeom>
+          <a:ln>
+            <a:noFill/>
+          </a:ln>
+        </p:spPr>
+        <p:style>
+          <a:lnRef idx="2">
+            <a:schemeClr val="accent1">
+              <a:shade val="50000"/>
+            </a:schemeClr>
+          </a:lnRef>
+          <a:fillRef idx="1">
+            <a:schemeClr val="accent1"/>
+          </a:fillRef>
+          <a:effectRef idx="0">
+            <a:schemeClr val="accent1"/>
+          </a:effectRef>
+          <a:fontRef idx="minor">
+            <a:schemeClr val="lt1"/>
+          </a:fontRef>
+        </p:style>
+        <p:txBody>
+          <a:bodyPr rtlCol="0" anchor="ctr"/>
+          <a:lstStyle/>
+          <a:p>
+            <a:pPr algn="ctr"/>
+            <a:endParaRPr lang="en-US" dirty="0"/>
+          </a:p>
+        </p:txBody>
+      </p:sp>
+      <p:sp>
+        <p:nvSpPr>
+          <p:cNvPr id="10" name="Rectangle 9">
+            <a:extLst>
+              <a:ext uri="{FF2B5EF4-FFF2-40B4-BE49-F238E27FC236}">
+                <a16:creationId xmlns:a16="http://schemas.microsoft.com/office/drawing/2014/main" id="{EB64B94A-E40E-48CE-BD7B-C1A30AE572FB}"/>
+              </a:ext>
+              <a:ext uri="{C183D7F6-B498-43B3-948B-1728B52AA6E4}">
+                <adec:decorative xmlns:adec="http://schemas.microsoft.com/office/drawing/2017/decorative" val="1"/>
+              </a:ext>
+            </a:extLst>
+          </p:cNvPr>
+          <p:cNvSpPr>
+            <a:spLocks noGrp="1" noRot="1" noChangeAspect="1" noMove="1" noResize="1" noEditPoints="1" noAdjustHandles="1" noChangeArrowheads="1" noChangeShapeType="1" noTextEdit="1"/>
+          </p:cNvSpPr>
+          <p:nvPr>
+            <p:extLst>
+              <p:ext uri="{386F3935-93C4-4BCD-93E2-E3B085C9AB24}">
+                <p16:designElem xmlns:p16="http://schemas.microsoft.com/office/powerpoint/2015/main" val="1"/>
+              </p:ext>
+            </p:extLst>
+          </p:nvPr>
+        </p:nvSpPr>
+        <p:spPr>
+          <a:xfrm>
+            <a:off x="466928" y="484632"/>
+            <a:ext cx="11244036" cy="5880916"/>
+          </a:xfrm>
+          <a:prstGeom prst="rect">
+            <a:avLst/>
+          </a:prstGeom>
+          <a:ln w="15875">
+            <a:noFill/>
+          </a:ln>
+        </p:spPr>
+        <p:style>
+          <a:lnRef idx="2">
+            <a:schemeClr val="accent1">
+              <a:shade val="50000"/>
+            </a:schemeClr>
+          </a:lnRef>
+          <a:fillRef idx="1">
+            <a:schemeClr val="accent1"/>
+          </a:fillRef>
+          <a:effectRef idx="0">
+            <a:schemeClr val="accent1"/>
+          </a:effectRef>
+          <a:fontRef idx="minor">
+            <a:schemeClr val="lt1"/>
+          </a:fontRef>
+        </p:style>
+        <p:txBody>
+          <a:bodyPr rtlCol="0" anchor="ctr"/>
+          <a:lstStyle/>
+          <a:p>
+            <a:pPr algn="ctr"/>
+            <a:endParaRPr lang="en-US" dirty="0"/>
+          </a:p>
+        </p:txBody>
+      </p:sp>
+      <p:sp>
+        <p:nvSpPr>
+          <p:cNvPr id="2" name="Title 1">
+            <a:extLst>
+              <a:ext uri="{FF2B5EF4-FFF2-40B4-BE49-F238E27FC236}">
+                <a16:creationId xmlns:a16="http://schemas.microsoft.com/office/drawing/2014/main" id="{654A1F1F-4BC3-E4A9-6F1F-5D36AEBFDFB3}"/>
+              </a:ext>
+            </a:extLst>
+          </p:cNvPr>
+          <p:cNvSpPr>
+            <a:spLocks noGrp="1"/>
+          </p:cNvSpPr>
+          <p:nvPr>
+            <p:ph type="title"/>
+          </p:nvPr>
+        </p:nvSpPr>
+        <p:spPr>
+          <a:xfrm>
+            <a:off x="700390" y="891241"/>
+            <a:ext cx="3628129" cy="5075519"/>
+          </a:xfrm>
+        </p:spPr>
+        <p:txBody>
+          <a:bodyPr>
+            <a:normAutofit/>
+          </a:bodyPr>
+          <a:lstStyle/>
+          <a:p>
+            <a:pPr algn="r"/>
+            <a:r>
+              <a:rPr lang="en-US" sz="4000" dirty="0">
+                <a:solidFill>
+                  <a:srgbClr val="FFFFFF"/>
+                </a:solidFill>
+              </a:rPr>
+              <a:t>INFERENCE</a:t>
+            </a:r>
+          </a:p>
+        </p:txBody>
+      </p:sp>
+      <p:cxnSp>
+        <p:nvCxnSpPr>
+          <p:cNvPr id="12" name="Straight Connector 11">
+            <a:extLst>
+              <a:ext uri="{FF2B5EF4-FFF2-40B4-BE49-F238E27FC236}">
+                <a16:creationId xmlns:a16="http://schemas.microsoft.com/office/drawing/2014/main" id="{49EC5CA6-6479-49D5-B4B5-5643D26B83CD}"/>
+              </a:ext>
+              <a:ext uri="{C183D7F6-B498-43B3-948B-1728B52AA6E4}">
+                <adec:decorative xmlns:adec="http://schemas.microsoft.com/office/drawing/2017/decorative" val="1"/>
+              </a:ext>
+            </a:extLst>
+          </p:cNvPr>
+          <p:cNvCxnSpPr>
+            <a:cxnSpLocks noGrp="1" noRot="1" noChangeAspect="1" noMove="1" noResize="1" noEditPoints="1" noAdjustHandles="1" noChangeArrowheads="1" noChangeShapeType="1"/>
+          </p:cNvCxnSpPr>
+          <p:nvPr>
+            <p:extLst>
+              <p:ext uri="{386F3935-93C4-4BCD-93E2-E3B085C9AB24}">
+                <p16:designElem xmlns:p16="http://schemas.microsoft.com/office/powerpoint/2015/main" val="1"/>
+              </p:ext>
+            </p:extLst>
+          </p:nvPr>
+        </p:nvCxnSpPr>
+        <p:spPr>
+          <a:xfrm>
+            <a:off x="4684442" y="2057401"/>
+            <a:ext cx="0" cy="2743200"/>
+          </a:xfrm>
+          <a:prstGeom prst="line">
+            <a:avLst/>
+          </a:prstGeom>
+          <a:ln w="15875">
+            <a:solidFill>
+              <a:srgbClr val="FFFFFF"/>
+            </a:solidFill>
+          </a:ln>
+        </p:spPr>
+        <p:style>
+          <a:lnRef idx="1">
+            <a:schemeClr val="accent1"/>
+          </a:lnRef>
+          <a:fillRef idx="0">
+            <a:schemeClr val="accent1"/>
+          </a:fillRef>
+          <a:effectRef idx="0">
+            <a:schemeClr val="accent1"/>
+          </a:effectRef>
+          <a:fontRef idx="minor">
+            <a:schemeClr val="tx1"/>
+          </a:fontRef>
+        </p:style>
+      </p:cxnSp>
+      <p:sp>
+        <p:nvSpPr>
+          <p:cNvPr id="3" name="Content Placeholder 2">
+            <a:extLst>
+              <a:ext uri="{FF2B5EF4-FFF2-40B4-BE49-F238E27FC236}">
+                <a16:creationId xmlns:a16="http://schemas.microsoft.com/office/drawing/2014/main" id="{FD8B5403-A350-8364-602C-D5C81B731E7A}"/>
+              </a:ext>
+            </a:extLst>
+          </p:cNvPr>
+          <p:cNvSpPr>
+            <a:spLocks noGrp="1"/>
+          </p:cNvSpPr>
+          <p:nvPr>
+            <p:ph idx="1"/>
+          </p:nvPr>
+        </p:nvSpPr>
+        <p:spPr>
+          <a:xfrm>
+            <a:off x="4963690" y="891241"/>
+            <a:ext cx="6359677" cy="5075519"/>
+          </a:xfrm>
+        </p:spPr>
+        <p:txBody>
+          <a:bodyPr vert="horz" lIns="91440" tIns="45720" rIns="91440" bIns="45720" rtlCol="0" anchor="ctr">
+            <a:normAutofit/>
+          </a:bodyPr>
+          <a:lstStyle/>
+          <a:p>
+            <a:r>
+              <a:rPr lang="en-US" dirty="0">
+                <a:solidFill>
+                  <a:srgbClr val="FFFFFF"/>
+                </a:solidFill>
+              </a:rPr>
+              <a:t>As the vehicle population of a city increases and the data collected aggrandizes, the model's learning curve exponentiates.</a:t>
+            </a:r>
+          </a:p>
+          <a:p>
+            <a:pPr>
+              <a:buClr>
+                <a:srgbClr val="262626"/>
+              </a:buClr>
+            </a:pPr>
+            <a:r>
+              <a:rPr lang="en-US" dirty="0">
+                <a:solidFill>
+                  <a:srgbClr val="FFFFFF"/>
+                </a:solidFill>
+              </a:rPr>
+              <a:t>Comparing same amount of data values for different cities predicts how the model is independent of the "nature" of data bullets collected.</a:t>
+            </a:r>
+          </a:p>
+          <a:p>
+            <a:pPr>
+              <a:buClr>
+                <a:srgbClr val="262626"/>
+              </a:buClr>
+            </a:pPr>
+            <a:r>
+              <a:rPr lang="en-US" dirty="0">
+                <a:solidFill>
+                  <a:srgbClr val="FFFFFF"/>
+                </a:solidFill>
+              </a:rPr>
+              <a:t>Cities with lesser population had faster average times seen around the whole day </a:t>
+            </a:r>
+          </a:p>
+          <a:p>
+            <a:pPr>
+              <a:buClr>
+                <a:srgbClr val="262626"/>
+              </a:buClr>
+            </a:pPr>
+            <a:r>
+              <a:rPr lang="en-US" dirty="0">
+                <a:solidFill>
+                  <a:srgbClr val="FFFFFF"/>
+                </a:solidFill>
+              </a:rPr>
+              <a:t>Model's predictions were compatible with the hypothesis that traffic congestion is linked to population and if external variables are constant, linear regression model flourishes.</a:t>
+            </a:r>
+          </a:p>
+        </p:txBody>
+      </p:sp>
+    </p:spTree>
+    <p:extLst>
+      <p:ext uri="{BB962C8B-B14F-4D97-AF65-F5344CB8AC3E}">
+        <p14:creationId xmlns:p14="http://schemas.microsoft.com/office/powerpoint/2010/main" val="2421147197"/>
       </p:ext>
     </p:extLst>
   </p:cSld>
@@ -20724,7 +20952,7 @@
           <a:lstStyle/>
           <a:p>
             <a:pPr algn="ctr"/>
-            <a:endParaRPr lang="en-US"/>
+            <a:endParaRPr lang="en-US" dirty="0"/>
           </a:p>
         </p:txBody>
       </p:sp>
@@ -20797,21 +21025,21 @@
           <a:lstStyle/>
           <a:p>
             <a:r>
-              <a:rPr lang="en-US" sz="4000"/>
+              <a:rPr lang="en-US" sz="4000" dirty="0"/>
               <a:t>Jack Perloff</a:t>
             </a:r>
             <a:br>
-              <a:rPr lang="en-US" sz="4000"/>
+              <a:rPr lang="en-US" sz="4000" dirty="0"/>
             </a:br>
             <a:r>
-              <a:rPr lang="en-US" sz="4000"/>
+              <a:rPr lang="en-US" sz="4000" dirty="0"/>
               <a:t>Darshan Golchha</a:t>
             </a:r>
             <a:br>
-              <a:rPr lang="en-US" sz="4000"/>
+              <a:rPr lang="en-US" sz="4000" dirty="0"/>
             </a:br>
             <a:r>
-              <a:rPr lang="en-US" sz="4000"/>
+              <a:rPr lang="en-US" sz="4000" dirty="0"/>
               <a:t>Vardaan Kapoor</a:t>
             </a:r>
           </a:p>
@@ -20950,340 +21178,6 @@
           <a:chExt cx="0" cy="0"/>
         </a:xfrm>
       </p:grpSpPr>
-      <p:sp useBgFill="1">
-        <p:nvSpPr>
-          <p:cNvPr id="8" name="Rectangle 7">
-            <a:extLst>
-              <a:ext uri="{FF2B5EF4-FFF2-40B4-BE49-F238E27FC236}">
-                <a16:creationId xmlns:a16="http://schemas.microsoft.com/office/drawing/2014/main" id="{F04BED5A-E98E-4DA0-BAA5-4F6AB2492D6C}"/>
-              </a:ext>
-              <a:ext uri="{C183D7F6-B498-43B3-948B-1728B52AA6E4}">
-                <adec:decorative xmlns:adec="http://schemas.microsoft.com/office/drawing/2017/decorative" val="1"/>
-              </a:ext>
-            </a:extLst>
-          </p:cNvPr>
-          <p:cNvSpPr>
-            <a:spLocks noGrp="1" noRot="1" noChangeAspect="1" noMove="1" noResize="1" noEditPoints="1" noAdjustHandles="1" noChangeArrowheads="1" noChangeShapeType="1" noTextEdit="1"/>
-          </p:cNvSpPr>
-          <p:nvPr>
-            <p:extLst>
-              <p:ext uri="{386F3935-93C4-4BCD-93E2-E3B085C9AB24}">
-                <p16:designElem xmlns:p16="http://schemas.microsoft.com/office/powerpoint/2015/main" val="1"/>
-              </p:ext>
-            </p:extLst>
-          </p:nvPr>
-        </p:nvSpPr>
-        <p:spPr>
-          <a:xfrm>
-            <a:off x="0" y="0"/>
-            <a:ext cx="12192000" cy="6858000"/>
-          </a:xfrm>
-          <a:prstGeom prst="rect">
-            <a:avLst/>
-          </a:prstGeom>
-          <a:ln>
-            <a:noFill/>
-          </a:ln>
-        </p:spPr>
-        <p:style>
-          <a:lnRef idx="2">
-            <a:schemeClr val="accent1">
-              <a:shade val="50000"/>
-            </a:schemeClr>
-          </a:lnRef>
-          <a:fillRef idx="1">
-            <a:schemeClr val="accent1"/>
-          </a:fillRef>
-          <a:effectRef idx="0">
-            <a:schemeClr val="accent1"/>
-          </a:effectRef>
-          <a:fontRef idx="minor">
-            <a:schemeClr val="lt1"/>
-          </a:fontRef>
-        </p:style>
-        <p:txBody>
-          <a:bodyPr rtlCol="0" anchor="ctr"/>
-          <a:lstStyle/>
-          <a:p>
-            <a:pPr algn="ctr"/>
-            <a:endParaRPr lang="en-US"/>
-          </a:p>
-        </p:txBody>
-      </p:sp>
-      <p:sp>
-        <p:nvSpPr>
-          <p:cNvPr id="10" name="Rectangle 9">
-            <a:extLst>
-              <a:ext uri="{FF2B5EF4-FFF2-40B4-BE49-F238E27FC236}">
-                <a16:creationId xmlns:a16="http://schemas.microsoft.com/office/drawing/2014/main" id="{EB64B94A-E40E-48CE-BD7B-C1A30AE572FB}"/>
-              </a:ext>
-              <a:ext uri="{C183D7F6-B498-43B3-948B-1728B52AA6E4}">
-                <adec:decorative xmlns:adec="http://schemas.microsoft.com/office/drawing/2017/decorative" val="1"/>
-              </a:ext>
-            </a:extLst>
-          </p:cNvPr>
-          <p:cNvSpPr>
-            <a:spLocks noGrp="1" noRot="1" noChangeAspect="1" noMove="1" noResize="1" noEditPoints="1" noAdjustHandles="1" noChangeArrowheads="1" noChangeShapeType="1" noTextEdit="1"/>
-          </p:cNvSpPr>
-          <p:nvPr>
-            <p:extLst>
-              <p:ext uri="{386F3935-93C4-4BCD-93E2-E3B085C9AB24}">
-                <p16:designElem xmlns:p16="http://schemas.microsoft.com/office/powerpoint/2015/main" val="1"/>
-              </p:ext>
-            </p:extLst>
-          </p:nvPr>
-        </p:nvSpPr>
-        <p:spPr>
-          <a:xfrm>
-            <a:off x="466928" y="484632"/>
-            <a:ext cx="11244036" cy="5880916"/>
-          </a:xfrm>
-          <a:prstGeom prst="rect">
-            <a:avLst/>
-          </a:prstGeom>
-          <a:ln w="15875">
-            <a:noFill/>
-          </a:ln>
-        </p:spPr>
-        <p:style>
-          <a:lnRef idx="2">
-            <a:schemeClr val="accent1">
-              <a:shade val="50000"/>
-            </a:schemeClr>
-          </a:lnRef>
-          <a:fillRef idx="1">
-            <a:schemeClr val="accent1"/>
-          </a:fillRef>
-          <a:effectRef idx="0">
-            <a:schemeClr val="accent1"/>
-          </a:effectRef>
-          <a:fontRef idx="minor">
-            <a:schemeClr val="lt1"/>
-          </a:fontRef>
-        </p:style>
-        <p:txBody>
-          <a:bodyPr rtlCol="0" anchor="ctr"/>
-          <a:lstStyle/>
-          <a:p>
-            <a:pPr algn="ctr"/>
-            <a:endParaRPr lang="en-US"/>
-          </a:p>
-        </p:txBody>
-      </p:sp>
-      <p:sp>
-        <p:nvSpPr>
-          <p:cNvPr id="2" name="Title 1">
-            <a:extLst>
-              <a:ext uri="{FF2B5EF4-FFF2-40B4-BE49-F238E27FC236}">
-                <a16:creationId xmlns:a16="http://schemas.microsoft.com/office/drawing/2014/main" id="{654A1F1F-4BC3-E4A9-6F1F-5D36AEBFDFB3}"/>
-              </a:ext>
-            </a:extLst>
-          </p:cNvPr>
-          <p:cNvSpPr>
-            <a:spLocks noGrp="1"/>
-          </p:cNvSpPr>
-          <p:nvPr>
-            <p:ph type="title"/>
-          </p:nvPr>
-        </p:nvSpPr>
-        <p:spPr>
-          <a:xfrm>
-            <a:off x="700390" y="891241"/>
-            <a:ext cx="3628129" cy="5075519"/>
-          </a:xfrm>
-        </p:spPr>
-        <p:txBody>
-          <a:bodyPr>
-            <a:normAutofit/>
-          </a:bodyPr>
-          <a:lstStyle/>
-          <a:p>
-            <a:pPr algn="r"/>
-            <a:r>
-              <a:rPr lang="en-US" sz="4000">
-                <a:solidFill>
-                  <a:srgbClr val="FFFFFF"/>
-                </a:solidFill>
-              </a:rPr>
-              <a:t>INFERENCE</a:t>
-            </a:r>
-          </a:p>
-        </p:txBody>
-      </p:sp>
-      <p:cxnSp>
-        <p:nvCxnSpPr>
-          <p:cNvPr id="12" name="Straight Connector 11">
-            <a:extLst>
-              <a:ext uri="{FF2B5EF4-FFF2-40B4-BE49-F238E27FC236}">
-                <a16:creationId xmlns:a16="http://schemas.microsoft.com/office/drawing/2014/main" id="{49EC5CA6-6479-49D5-B4B5-5643D26B83CD}"/>
-              </a:ext>
-              <a:ext uri="{C183D7F6-B498-43B3-948B-1728B52AA6E4}">
-                <adec:decorative xmlns:adec="http://schemas.microsoft.com/office/drawing/2017/decorative" val="1"/>
-              </a:ext>
-            </a:extLst>
-          </p:cNvPr>
-          <p:cNvCxnSpPr>
-            <a:cxnSpLocks noGrp="1" noRot="1" noChangeAspect="1" noMove="1" noResize="1" noEditPoints="1" noAdjustHandles="1" noChangeArrowheads="1" noChangeShapeType="1"/>
-          </p:cNvCxnSpPr>
-          <p:nvPr>
-            <p:extLst>
-              <p:ext uri="{386F3935-93C4-4BCD-93E2-E3B085C9AB24}">
-                <p16:designElem xmlns:p16="http://schemas.microsoft.com/office/powerpoint/2015/main" val="1"/>
-              </p:ext>
-            </p:extLst>
-          </p:nvPr>
-        </p:nvCxnSpPr>
-        <p:spPr>
-          <a:xfrm>
-            <a:off x="4684442" y="2057401"/>
-            <a:ext cx="0" cy="2743200"/>
-          </a:xfrm>
-          <a:prstGeom prst="line">
-            <a:avLst/>
-          </a:prstGeom>
-          <a:ln w="15875">
-            <a:solidFill>
-              <a:srgbClr val="FFFFFF"/>
-            </a:solidFill>
-          </a:ln>
-        </p:spPr>
-        <p:style>
-          <a:lnRef idx="1">
-            <a:schemeClr val="accent1"/>
-          </a:lnRef>
-          <a:fillRef idx="0">
-            <a:schemeClr val="accent1"/>
-          </a:fillRef>
-          <a:effectRef idx="0">
-            <a:schemeClr val="accent1"/>
-          </a:effectRef>
-          <a:fontRef idx="minor">
-            <a:schemeClr val="tx1"/>
-          </a:fontRef>
-        </p:style>
-      </p:cxnSp>
-      <p:sp>
-        <p:nvSpPr>
-          <p:cNvPr id="3" name="Content Placeholder 2">
-            <a:extLst>
-              <a:ext uri="{FF2B5EF4-FFF2-40B4-BE49-F238E27FC236}">
-                <a16:creationId xmlns:a16="http://schemas.microsoft.com/office/drawing/2014/main" id="{FD8B5403-A350-8364-602C-D5C81B731E7A}"/>
-              </a:ext>
-            </a:extLst>
-          </p:cNvPr>
-          <p:cNvSpPr>
-            <a:spLocks noGrp="1"/>
-          </p:cNvSpPr>
-          <p:nvPr>
-            <p:ph idx="1"/>
-          </p:nvPr>
-        </p:nvSpPr>
-        <p:spPr>
-          <a:xfrm>
-            <a:off x="4963690" y="891241"/>
-            <a:ext cx="6359677" cy="5075519"/>
-          </a:xfrm>
-        </p:spPr>
-        <p:txBody>
-          <a:bodyPr vert="horz" lIns="91440" tIns="45720" rIns="91440" bIns="45720" rtlCol="0" anchor="ctr">
-            <a:normAutofit/>
-          </a:bodyPr>
-          <a:lstStyle/>
-          <a:p>
-            <a:r>
-              <a:rPr lang="en-US">
-                <a:solidFill>
-                  <a:srgbClr val="FFFFFF"/>
-                </a:solidFill>
-              </a:rPr>
-              <a:t>As the vehicle population of a city increases and the data collected aggrandizes, the model's learning curve exponentiates.</a:t>
-            </a:r>
-          </a:p>
-          <a:p>
-            <a:pPr>
-              <a:buClr>
-                <a:srgbClr val="262626"/>
-              </a:buClr>
-            </a:pPr>
-            <a:r>
-              <a:rPr lang="en-US">
-                <a:solidFill>
-                  <a:srgbClr val="FFFFFF"/>
-                </a:solidFill>
-              </a:rPr>
-              <a:t>Comparing same amount of data values for different cities predicts how the model is independent of the "nature" of data bullets collected.</a:t>
-            </a:r>
-          </a:p>
-          <a:p>
-            <a:pPr>
-              <a:buClr>
-                <a:srgbClr val="262626"/>
-              </a:buClr>
-            </a:pPr>
-            <a:r>
-              <a:rPr lang="en-US">
-                <a:solidFill>
-                  <a:srgbClr val="FFFFFF"/>
-                </a:solidFill>
-              </a:rPr>
-              <a:t>Cities with lesser population had faster average times seen around the whole day </a:t>
-            </a:r>
-          </a:p>
-          <a:p>
-            <a:pPr>
-              <a:buClr>
-                <a:srgbClr val="262626"/>
-              </a:buClr>
-            </a:pPr>
-            <a:r>
-              <a:rPr lang="en-US">
-                <a:solidFill>
-                  <a:srgbClr val="FFFFFF"/>
-                </a:solidFill>
-              </a:rPr>
-              <a:t>Model's predictions were compatible with the hypothesis that traffic congestion is linked to population and if external variables are constant, linear regression model flourishes.</a:t>
-            </a:r>
-          </a:p>
-        </p:txBody>
-      </p:sp>
-    </p:spTree>
-    <p:extLst>
-      <p:ext uri="{BB962C8B-B14F-4D97-AF65-F5344CB8AC3E}">
-        <p14:creationId xmlns:p14="http://schemas.microsoft.com/office/powerpoint/2010/main" val="2421147197"/>
-      </p:ext>
-    </p:extLst>
-  </p:cSld>
-  <p:clrMapOvr>
-    <a:masterClrMapping/>
-  </p:clrMapOvr>
-</p:sld>
-</file>
-
-<file path=ppt/slides/slide21.xml><?xml version="1.0" encoding="utf-8"?>
-<p:sld xmlns:a="http://schemas.openxmlformats.org/drawingml/2006/main" xmlns:r="http://schemas.openxmlformats.org/officeDocument/2006/relationships" xmlns:p="http://schemas.openxmlformats.org/presentationml/2006/main">
-  <p:cSld>
-    <p:bg>
-      <p:bgPr>
-        <a:solidFill>
-          <a:schemeClr val="bg1"/>
-        </a:solidFill>
-        <a:effectLst/>
-      </p:bgPr>
-    </p:bg>
-    <p:spTree>
-      <p:nvGrpSpPr>
-        <p:cNvPr id="1" name=""/>
-        <p:cNvGrpSpPr/>
-        <p:nvPr/>
-      </p:nvGrpSpPr>
-      <p:grpSpPr>
-        <a:xfrm>
-          <a:off x="0" y="0"/>
-          <a:ext cx="0" cy="0"/>
-          <a:chOff x="0" y="0"/>
-          <a:chExt cx="0" cy="0"/>
-        </a:xfrm>
-      </p:grpSpPr>
       <p:sp>
         <p:nvSpPr>
           <p:cNvPr id="10" name="Rectangle 9">
@@ -21343,7 +21237,7 @@
           <a:lstStyle/>
           <a:p>
             <a:pPr algn="ctr"/>
-            <a:endParaRPr lang="en-US"/>
+            <a:endParaRPr lang="en-US" dirty="0"/>
           </a:p>
         </p:txBody>
       </p:sp>
@@ -21461,7 +21355,7 @@
           </a:bodyPr>
           <a:lstStyle/>
           <a:p>
-            <a:endParaRPr lang="en-US"/>
+            <a:endParaRPr lang="en-US" dirty="0"/>
           </a:p>
           <a:p>
             <a:pPr>
@@ -21469,7 +21363,7 @@
                 <a:srgbClr val="262626"/>
               </a:buClr>
             </a:pPr>
-            <a:endParaRPr lang="en-US"/>
+            <a:endParaRPr lang="en-US" dirty="0"/>
           </a:p>
           <a:p>
             <a:pPr>
@@ -21477,7 +21371,7 @@
                 <a:srgbClr val="262626"/>
               </a:buClr>
             </a:pPr>
-            <a:endParaRPr lang="en-US"/>
+            <a:endParaRPr lang="en-US" dirty="0"/>
           </a:p>
           <a:p>
             <a:pPr>
@@ -21485,7 +21379,7 @@
                 <a:srgbClr val="262626"/>
               </a:buClr>
             </a:pPr>
-            <a:endParaRPr lang="en-US"/>
+            <a:endParaRPr lang="en-US" dirty="0"/>
           </a:p>
           <a:p>
             <a:pPr marL="0" indent="0" algn="ctr">
@@ -21495,7 +21389,7 @@
               <a:buNone/>
             </a:pPr>
             <a:r>
-              <a:rPr lang="en-US" sz="7200"/>
+              <a:rPr lang="en-US" sz="7200" dirty="0"/>
               <a:t>THE LEAP FORWARD</a:t>
             </a:r>
           </a:p>
@@ -21537,7 +21431,7 @@
               </a:spcAft>
             </a:pPr>
             <a:r>
-              <a:rPr lang="en-US" sz="700">
+              <a:rPr lang="en-US" sz="700" dirty="0">
                 <a:solidFill>
                   <a:srgbClr val="FFFFFF"/>
                 </a:solidFill>
@@ -21552,7 +21446,7 @@
               <a:t>This Photo</a:t>
             </a:r>
             <a:r>
-              <a:rPr lang="en-US" sz="700">
+              <a:rPr lang="en-US" sz="700" dirty="0">
                 <a:solidFill>
                   <a:srgbClr val="FFFFFF"/>
                 </a:solidFill>
@@ -21560,7 +21454,7 @@
               <a:t> by Unknown author is licensed under </a:t>
             </a:r>
             <a:r>
-              <a:rPr lang="en-US" sz="700">
+              <a:rPr lang="en-US" sz="700" dirty="0">
                 <a:solidFill>
                   <a:srgbClr val="FFFFFF"/>
                 </a:solidFill>
@@ -21575,7 +21469,7 @@
               <a:t>CC BY-ND</a:t>
             </a:r>
             <a:r>
-              <a:rPr lang="en-US" sz="700">
+              <a:rPr lang="en-US" sz="700" dirty="0">
                 <a:solidFill>
                   <a:srgbClr val="FFFFFF"/>
                 </a:solidFill>
@@ -21598,7 +21492,7 @@
 </p:sld>
 </file>
 
-<file path=ppt/slides/slide22.xml><?xml version="1.0" encoding="utf-8"?>
+<file path=ppt/slides/slide21.xml><?xml version="1.0" encoding="utf-8"?>
 <p:sld xmlns:a="http://schemas.openxmlformats.org/drawingml/2006/main" xmlns:r="http://schemas.openxmlformats.org/officeDocument/2006/relationships" xmlns:p="http://schemas.openxmlformats.org/presentationml/2006/main">
   <p:cSld>
     <p:bg>
@@ -21653,10 +21547,10 @@
           <a:p>
             <a:pPr algn="ctr"/>
             <a:r>
-              <a:rPr lang="en-US" sz="6600"/>
+              <a:rPr lang="en-US" sz="6600" dirty="0"/>
               <a:t>IT IS A JOURNEY...</a:t>
             </a:r>
-            <a:endParaRPr lang="en-US"/>
+            <a:endParaRPr lang="en-US" dirty="0"/>
           </a:p>
         </p:txBody>
       </p:sp>
@@ -21700,6 +21594,263 @@
   </p:cSld>
   <p:clrMapOvr>
     <a:masterClrMapping/>
+  </p:clrMapOvr>
+</p:sld>
+</file>
+
+<file path=ppt/slides/slide22.xml><?xml version="1.0" encoding="utf-8"?>
+<p:sld xmlns:a="http://schemas.openxmlformats.org/drawingml/2006/main" xmlns:r="http://schemas.openxmlformats.org/officeDocument/2006/relationships" xmlns:p="http://schemas.openxmlformats.org/presentationml/2006/main">
+  <p:cSld>
+    <p:bg>
+      <p:bgPr>
+        <a:solidFill>
+          <a:schemeClr val="bg1"/>
+        </a:solidFill>
+        <a:effectLst/>
+      </p:bgPr>
+    </p:bg>
+    <p:spTree>
+      <p:nvGrpSpPr>
+        <p:cNvPr id="1" name=""/>
+        <p:cNvGrpSpPr/>
+        <p:nvPr/>
+      </p:nvGrpSpPr>
+      <p:grpSpPr>
+        <a:xfrm>
+          <a:off x="0" y="0"/>
+          <a:ext cx="0" cy="0"/>
+          <a:chOff x="0" y="0"/>
+          <a:chExt cx="0" cy="0"/>
+        </a:xfrm>
+      </p:grpSpPr>
+      <p:sp>
+        <p:nvSpPr>
+          <p:cNvPr id="9" name="Rectangle 8">
+            <a:extLst>
+              <a:ext uri="{FF2B5EF4-FFF2-40B4-BE49-F238E27FC236}">
+                <a16:creationId xmlns:a16="http://schemas.microsoft.com/office/drawing/2014/main" id="{D04789F1-5F3B-4DEE-BEAA-E70D1E088672}"/>
+              </a:ext>
+              <a:ext uri="{C183D7F6-B498-43B3-948B-1728B52AA6E4}">
+                <adec:decorative xmlns:adec="http://schemas.microsoft.com/office/drawing/2017/decorative" val="1"/>
+              </a:ext>
+            </a:extLst>
+          </p:cNvPr>
+          <p:cNvSpPr>
+            <a:spLocks noGrp="1" noRot="1" noChangeAspect="1" noMove="1" noResize="1" noEditPoints="1" noAdjustHandles="1" noChangeArrowheads="1" noChangeShapeType="1" noTextEdit="1"/>
+          </p:cNvSpPr>
+          <p:nvPr>
+            <p:extLst>
+              <p:ext uri="{386F3935-93C4-4BCD-93E2-E3B085C9AB24}">
+                <p16:designElem xmlns:p16="http://schemas.microsoft.com/office/powerpoint/2015/main" val="1"/>
+              </p:ext>
+            </p:extLst>
+          </p:nvPr>
+        </p:nvSpPr>
+        <p:spPr>
+          <a:xfrm>
+            <a:off x="0" y="0"/>
+            <a:ext cx="12192000" cy="6858000"/>
+          </a:xfrm>
+          <a:prstGeom prst="rect">
+            <a:avLst/>
+          </a:prstGeom>
+          <a:solidFill>
+            <a:schemeClr val="tx2"/>
+          </a:solidFill>
+          <a:ln>
+            <a:noFill/>
+          </a:ln>
+        </p:spPr>
+        <p:style>
+          <a:lnRef idx="2">
+            <a:schemeClr val="accent1">
+              <a:shade val="50000"/>
+            </a:schemeClr>
+          </a:lnRef>
+          <a:fillRef idx="1">
+            <a:schemeClr val="accent1"/>
+          </a:fillRef>
+          <a:effectRef idx="0">
+            <a:schemeClr val="accent1"/>
+          </a:effectRef>
+          <a:fontRef idx="minor">
+            <a:schemeClr val="lt1"/>
+          </a:fontRef>
+        </p:style>
+        <p:txBody>
+          <a:bodyPr rtlCol="0" anchor="ctr"/>
+          <a:lstStyle/>
+          <a:p>
+            <a:pPr algn="ctr"/>
+            <a:endParaRPr lang="en-US"/>
+          </a:p>
+        </p:txBody>
+      </p:sp>
+      <p:sp>
+        <p:nvSpPr>
+          <p:cNvPr id="11" name="Rectangle 10">
+            <a:extLst>
+              <a:ext uri="{FF2B5EF4-FFF2-40B4-BE49-F238E27FC236}">
+                <a16:creationId xmlns:a16="http://schemas.microsoft.com/office/drawing/2014/main" id="{D93C3E38-DF85-49B0-BDB8-38728B091A7A}"/>
+              </a:ext>
+              <a:ext uri="{C183D7F6-B498-43B3-948B-1728B52AA6E4}">
+                <adec:decorative xmlns:adec="http://schemas.microsoft.com/office/drawing/2017/decorative" val="1"/>
+              </a:ext>
+            </a:extLst>
+          </p:cNvPr>
+          <p:cNvSpPr>
+            <a:spLocks noGrp="1" noRot="1" noChangeAspect="1" noMove="1" noResize="1" noEditPoints="1" noAdjustHandles="1" noChangeArrowheads="1" noChangeShapeType="1" noTextEdit="1"/>
+          </p:cNvSpPr>
+          <p:nvPr>
+            <p:extLst>
+              <p:ext uri="{386F3935-93C4-4BCD-93E2-E3B085C9AB24}">
+                <p16:designElem xmlns:p16="http://schemas.microsoft.com/office/powerpoint/2015/main" val="1"/>
+              </p:ext>
+            </p:extLst>
+          </p:nvPr>
+        </p:nvSpPr>
+        <p:spPr>
+          <a:xfrm>
+            <a:off x="234696" y="237744"/>
+            <a:ext cx="11722608" cy="6382512"/>
+          </a:xfrm>
+          <a:prstGeom prst="rect">
+            <a:avLst/>
+          </a:prstGeom>
+          <a:solidFill>
+            <a:srgbClr val="5F5041"/>
+          </a:solidFill>
+          <a:ln w="6350" cap="flat" cmpd="sng" algn="ctr">
+            <a:noFill/>
+            <a:prstDash val="solid"/>
+          </a:ln>
+          <a:effectLst>
+            <a:softEdge rad="0"/>
+          </a:effectLst>
+        </p:spPr>
+      </p:sp>
+      <p:pic>
+        <p:nvPicPr>
+          <p:cNvPr id="5" name="Picture 4" descr="Aerial view of the road">
+            <a:extLst>
+              <a:ext uri="{FF2B5EF4-FFF2-40B4-BE49-F238E27FC236}">
+                <a16:creationId xmlns:a16="http://schemas.microsoft.com/office/drawing/2014/main" id="{523E76F1-53EC-E732-8003-3C1EBBE39B92}"/>
+              </a:ext>
+            </a:extLst>
+          </p:cNvPr>
+          <p:cNvPicPr>
+            <a:picLocks noChangeAspect="1"/>
+          </p:cNvPicPr>
+          <p:nvPr/>
+        </p:nvPicPr>
+        <p:blipFill rotWithShape="1">
+          <a:blip r:embed="rId2">
+            <a:duotone>
+              <a:prstClr val="black"/>
+              <a:schemeClr val="tx2">
+                <a:tint val="45000"/>
+                <a:satMod val="400000"/>
+              </a:schemeClr>
+            </a:duotone>
+            <a:alphaModFix amt="25000"/>
+          </a:blip>
+          <a:srcRect t="7526" b="17474"/>
+          <a:stretch/>
+        </p:blipFill>
+        <p:spPr>
+          <a:xfrm>
+            <a:off x="20" y="10"/>
+            <a:ext cx="12191980" cy="6857990"/>
+          </a:xfrm>
+          <a:prstGeom prst="rect">
+            <a:avLst/>
+          </a:prstGeom>
+        </p:spPr>
+      </p:pic>
+      <p:sp>
+        <p:nvSpPr>
+          <p:cNvPr id="2" name="Title 1">
+            <a:extLst>
+              <a:ext uri="{FF2B5EF4-FFF2-40B4-BE49-F238E27FC236}">
+                <a16:creationId xmlns:a16="http://schemas.microsoft.com/office/drawing/2014/main" id="{4C40D724-09FA-6FF1-F64D-E798A4EE48E8}"/>
+              </a:ext>
+            </a:extLst>
+          </p:cNvPr>
+          <p:cNvSpPr>
+            <a:spLocks noGrp="1"/>
+          </p:cNvSpPr>
+          <p:nvPr>
+            <p:ph type="title"/>
+          </p:nvPr>
+        </p:nvSpPr>
+        <p:spPr>
+          <a:xfrm>
+            <a:off x="1066800" y="642594"/>
+            <a:ext cx="10058400" cy="1371600"/>
+          </a:xfrm>
+        </p:spPr>
+        <p:txBody>
+          <a:bodyPr>
+            <a:noAutofit/>
+          </a:bodyPr>
+          <a:lstStyle/>
+          <a:p>
+            <a:pPr algn="ctr"/>
+            <a:r>
+              <a:rPr lang="en-US" sz="9600" dirty="0"/>
+              <a:t>IMPACT</a:t>
+            </a:r>
+          </a:p>
+        </p:txBody>
+      </p:sp>
+      <p:sp>
+        <p:nvSpPr>
+          <p:cNvPr id="3" name="Content Placeholder 2">
+            <a:extLst>
+              <a:ext uri="{FF2B5EF4-FFF2-40B4-BE49-F238E27FC236}">
+                <a16:creationId xmlns:a16="http://schemas.microsoft.com/office/drawing/2014/main" id="{EF177D39-53D3-7783-876F-C2A71D5D1F45}"/>
+              </a:ext>
+            </a:extLst>
+          </p:cNvPr>
+          <p:cNvSpPr>
+            <a:spLocks noGrp="1"/>
+          </p:cNvSpPr>
+          <p:nvPr>
+            <p:ph idx="1"/>
+          </p:nvPr>
+        </p:nvSpPr>
+        <p:spPr>
+          <a:xfrm>
+            <a:off x="1066800" y="2103120"/>
+            <a:ext cx="10058400" cy="3931920"/>
+          </a:xfrm>
+        </p:spPr>
+        <p:txBody>
+          <a:bodyPr>
+            <a:normAutofit/>
+          </a:bodyPr>
+          <a:lstStyle/>
+          <a:p>
+            <a:r>
+              <a:rPr lang="en-US" sz="3200" b="0" i="0" dirty="0">
+                <a:effectLst/>
+                <a:latin typeface="Times New Roman" panose="02020603050405020304" pitchFamily="18" charset="0"/>
+              </a:rPr>
+              <a:t>This project has the potential to significantly impact urban areas by accurately predicting traffic congestion in real-time. It can help drivers choose alternative routes, reduce emissions, and improve infrastructure. This project could ultimately improve the daily commute for millions of people and make cities more efficient, sustainable, and livable.</a:t>
+            </a:r>
+            <a:endParaRPr lang="en-US" sz="3200" dirty="0"/>
+          </a:p>
+        </p:txBody>
+      </p:sp>
+    </p:spTree>
+    <p:extLst>
+      <p:ext uri="{BB962C8B-B14F-4D97-AF65-F5344CB8AC3E}">
+        <p14:creationId xmlns:p14="http://schemas.microsoft.com/office/powerpoint/2010/main" val="2367905079"/>
+      </p:ext>
+    </p:extLst>
+  </p:cSld>
+  <p:clrMapOvr>
+    <a:overrideClrMapping bg1="dk1" tx1="lt1" bg2="dk2" tx2="lt2" accent1="accent1" accent2="accent2" accent3="accent3" accent4="accent4" accent5="accent5" accent6="accent6" hlink="hlink" folHlink="folHlink"/>
   </p:clrMapOvr>
 </p:sld>
 </file>
@@ -21788,7 +21939,7 @@
           <a:lstStyle/>
           <a:p>
             <a:pPr algn="ctr"/>
-            <a:endParaRPr lang="en-US"/>
+            <a:endParaRPr lang="en-US" dirty="0"/>
           </a:p>
         </p:txBody>
       </p:sp>
@@ -21848,7 +21999,7 @@
           <a:lstStyle/>
           <a:p>
             <a:pPr algn="ctr"/>
-            <a:endParaRPr lang="en-US"/>
+            <a:endParaRPr lang="en-US" dirty="0"/>
           </a:p>
         </p:txBody>
       </p:sp>
@@ -21985,7 +22136,7 @@
           </a:bodyPr>
           <a:lstStyle/>
           <a:p>
-            <a:endParaRPr lang="en-US" sz="1600">
+            <a:endParaRPr lang="en-US" sz="1600" dirty="0">
               <a:solidFill>
                 <a:srgbClr val="FFFFFF"/>
               </a:solidFill>
@@ -21997,7 +22148,7 @@
                 <a:srgbClr val="262626"/>
               </a:buClr>
             </a:pPr>
-            <a:endParaRPr lang="en-US" sz="1600">
+            <a:endParaRPr lang="en-US" sz="1600" dirty="0">
               <a:solidFill>
                 <a:srgbClr val="FFFFFF"/>
               </a:solidFill>
@@ -22009,7 +22160,7 @@
                 <a:srgbClr val="262626"/>
               </a:buClr>
             </a:pPr>
-            <a:endParaRPr lang="en-US" sz="1600">
+            <a:endParaRPr lang="en-US" sz="1600" dirty="0">
               <a:solidFill>
                 <a:srgbClr val="FFFFFF"/>
               </a:solidFill>
@@ -22021,7 +22172,7 @@
                 <a:srgbClr val="262626"/>
               </a:buClr>
             </a:pPr>
-            <a:endParaRPr lang="en-US" sz="1600">
+            <a:endParaRPr lang="en-US" sz="1600" dirty="0">
               <a:solidFill>
                 <a:srgbClr val="FFFFFF"/>
               </a:solidFill>
@@ -22034,7 +22185,7 @@
               </a:buClr>
             </a:pPr>
             <a:r>
-              <a:rPr lang="en-US" sz="2800">
+              <a:rPr lang="en-US" sz="2800" dirty="0">
                 <a:solidFill>
                   <a:srgbClr val="FFFFFF"/>
                 </a:solidFill>
@@ -22555,7 +22706,7 @@
           <a:lstStyle/>
           <a:p>
             <a:pPr algn="ctr"/>
-            <a:endParaRPr lang="en-US"/>
+            <a:endParaRPr lang="en-US" dirty="0"/>
           </a:p>
         </p:txBody>
       </p:sp>
@@ -22676,7 +22827,7 @@
               </a:lnSpc>
             </a:pPr>
             <a:r>
-              <a:rPr lang="en-US" sz="4500" cap="all" spc="-100"/>
+              <a:rPr lang="en-US" sz="4500" cap="all" spc="-100" dirty="0"/>
               <a:t>NEW YORKERS SPEND 92 HOURS per year ROTTING IN CONGESTED CITY HIGHWAYS !</a:t>
             </a:r>
           </a:p>
@@ -22838,324 +22989,6 @@
   <p:cSld>
     <p:bg>
       <p:bgPr>
-        <a:gradFill rotWithShape="1">
-          <a:gsLst>
-            <a:gs pos="0">
-              <a:schemeClr val="bg1">
-                <a:tint val="90000"/>
-                <a:shade val="92000"/>
-                <a:satMod val="160000"/>
-              </a:schemeClr>
-            </a:gs>
-            <a:gs pos="77000">
-              <a:schemeClr val="bg1">
-                <a:tint val="100000"/>
-                <a:shade val="73000"/>
-                <a:satMod val="155000"/>
-              </a:schemeClr>
-            </a:gs>
-            <a:gs pos="100000">
-              <a:schemeClr val="bg1">
-                <a:tint val="100000"/>
-                <a:shade val="67000"/>
-                <a:satMod val="145000"/>
-              </a:schemeClr>
-            </a:gs>
-          </a:gsLst>
-          <a:lin ang="5400000" scaled="0"/>
-        </a:gradFill>
-        <a:effectLst/>
-      </p:bgPr>
-    </p:bg>
-    <p:spTree>
-      <p:nvGrpSpPr>
-        <p:cNvPr id="1" name=""/>
-        <p:cNvGrpSpPr/>
-        <p:nvPr/>
-      </p:nvGrpSpPr>
-      <p:grpSpPr>
-        <a:xfrm>
-          <a:off x="0" y="0"/>
-          <a:ext cx="0" cy="0"/>
-          <a:chOff x="0" y="0"/>
-          <a:chExt cx="0" cy="0"/>
-        </a:xfrm>
-      </p:grpSpPr>
-      <p:sp>
-        <p:nvSpPr>
-          <p:cNvPr id="8" name="Rectangle 7">
-            <a:extLst>
-              <a:ext uri="{FF2B5EF4-FFF2-40B4-BE49-F238E27FC236}">
-                <a16:creationId xmlns:a16="http://schemas.microsoft.com/office/drawing/2014/main" id="{3E340A62-2AB4-4600-96C6-0B60B6E9654F}"/>
-              </a:ext>
-              <a:ext uri="{C183D7F6-B498-43B3-948B-1728B52AA6E4}">
-                <adec:decorative xmlns:adec="http://schemas.microsoft.com/office/drawing/2017/decorative" val="1"/>
-              </a:ext>
-            </a:extLst>
-          </p:cNvPr>
-          <p:cNvSpPr>
-            <a:spLocks noGrp="1" noRot="1" noChangeAspect="1" noMove="1" noResize="1" noEditPoints="1" noAdjustHandles="1" noChangeArrowheads="1" noChangeShapeType="1" noTextEdit="1"/>
-          </p:cNvSpPr>
-          <p:nvPr>
-            <p:extLst>
-              <p:ext uri="{386F3935-93C4-4BCD-93E2-E3B085C9AB24}">
-                <p16:designElem xmlns:p16="http://schemas.microsoft.com/office/powerpoint/2015/main" val="1"/>
-              </p:ext>
-            </p:extLst>
-          </p:nvPr>
-        </p:nvSpPr>
-        <p:spPr>
-          <a:xfrm>
-            <a:off x="0" y="0"/>
-            <a:ext cx="12192000" cy="6858000"/>
-          </a:xfrm>
-          <a:prstGeom prst="rect">
-            <a:avLst/>
-          </a:prstGeom>
-          <a:solidFill>
-            <a:schemeClr val="accent1">
-              <a:lumMod val="75000"/>
-            </a:schemeClr>
-          </a:solidFill>
-          <a:ln>
-            <a:noFill/>
-          </a:ln>
-        </p:spPr>
-        <p:style>
-          <a:lnRef idx="2">
-            <a:schemeClr val="accent1">
-              <a:shade val="50000"/>
-            </a:schemeClr>
-          </a:lnRef>
-          <a:fillRef idx="1002">
-            <a:schemeClr val="lt2"/>
-          </a:fillRef>
-          <a:effectRef idx="0">
-            <a:schemeClr val="accent1"/>
-          </a:effectRef>
-          <a:fontRef idx="minor">
-            <a:schemeClr val="lt1"/>
-          </a:fontRef>
-        </p:style>
-        <p:txBody>
-          <a:bodyPr rtlCol="0" anchor="ctr"/>
-          <a:lstStyle/>
-          <a:p>
-            <a:pPr algn="ctr"/>
-            <a:endParaRPr lang="en-US"/>
-          </a:p>
-        </p:txBody>
-      </p:sp>
-      <p:sp useBgFill="1">
-        <p:nvSpPr>
-          <p:cNvPr id="10" name="Rectangle 9">
-            <a:extLst>
-              <a:ext uri="{FF2B5EF4-FFF2-40B4-BE49-F238E27FC236}">
-                <a16:creationId xmlns:a16="http://schemas.microsoft.com/office/drawing/2014/main" id="{BDC681C0-91A4-49F5-8158-CF3ECB854C23}"/>
-              </a:ext>
-              <a:ext uri="{C183D7F6-B498-43B3-948B-1728B52AA6E4}">
-                <adec:decorative xmlns:adec="http://schemas.microsoft.com/office/drawing/2017/decorative" val="1"/>
-              </a:ext>
-            </a:extLst>
-          </p:cNvPr>
-          <p:cNvSpPr>
-            <a:spLocks noGrp="1" noRot="1" noChangeAspect="1" noMove="1" noResize="1" noEditPoints="1" noAdjustHandles="1" noChangeArrowheads="1" noChangeShapeType="1" noTextEdit="1"/>
-          </p:cNvSpPr>
-          <p:nvPr>
-            <p:extLst>
-              <p:ext uri="{386F3935-93C4-4BCD-93E2-E3B085C9AB24}">
-                <p16:designElem xmlns:p16="http://schemas.microsoft.com/office/powerpoint/2015/main" val="1"/>
-              </p:ext>
-            </p:extLst>
-          </p:nvPr>
-        </p:nvSpPr>
-        <p:spPr>
-          <a:xfrm>
-            <a:off x="0" y="0"/>
-            <a:ext cx="7534655" cy="6858000"/>
-          </a:xfrm>
-          <a:prstGeom prst="rect">
-            <a:avLst/>
-          </a:prstGeom>
-          <a:ln w="6350" cap="sq" cmpd="sng" algn="ctr">
-            <a:noFill/>
-            <a:prstDash val="solid"/>
-            <a:miter lim="800000"/>
-          </a:ln>
-          <a:effectLst/>
-        </p:spPr>
-        <p:style>
-          <a:lnRef idx="0">
-            <a:scrgbClr r="0" g="0" b="0"/>
-          </a:lnRef>
-          <a:fillRef idx="1002">
-            <a:schemeClr val="lt1"/>
-          </a:fillRef>
-          <a:effectRef idx="0">
-            <a:scrgbClr r="0" g="0" b="0"/>
-          </a:effectRef>
-          <a:fontRef idx="major"/>
-        </p:style>
-      </p:sp>
-      <p:sp>
-        <p:nvSpPr>
-          <p:cNvPr id="12" name="Rectangle 11">
-            <a:extLst>
-              <a:ext uri="{FF2B5EF4-FFF2-40B4-BE49-F238E27FC236}">
-                <a16:creationId xmlns:a16="http://schemas.microsoft.com/office/drawing/2014/main" id="{D102F34D-849F-4CF9-98E2-E57EC330D44A}"/>
-              </a:ext>
-              <a:ext uri="{C183D7F6-B498-43B3-948B-1728B52AA6E4}">
-                <adec:decorative xmlns:adec="http://schemas.microsoft.com/office/drawing/2017/decorative" val="1"/>
-              </a:ext>
-            </a:extLst>
-          </p:cNvPr>
-          <p:cNvSpPr>
-            <a:spLocks noGrp="1" noRot="1" noChangeAspect="1" noMove="1" noResize="1" noEditPoints="1" noAdjustHandles="1" noChangeArrowheads="1" noChangeShapeType="1" noTextEdit="1"/>
-          </p:cNvSpPr>
-          <p:nvPr>
-            <p:extLst>
-              <p:ext uri="{386F3935-93C4-4BCD-93E2-E3B085C9AB24}">
-                <p16:designElem xmlns:p16="http://schemas.microsoft.com/office/powerpoint/2015/main" val="1"/>
-              </p:ext>
-            </p:extLst>
-          </p:nvPr>
-        </p:nvSpPr>
-        <p:spPr>
-          <a:xfrm>
-            <a:off x="7534655" y="0"/>
-            <a:ext cx="4657345" cy="6858000"/>
-          </a:xfrm>
-          <a:prstGeom prst="rect">
-            <a:avLst/>
-          </a:prstGeom>
-          <a:blipFill dpi="0" rotWithShape="1">
-            <a:blip r:embed="rId2">
-              <a:alphaModFix amt="6000"/>
-              <a:duotone>
-                <a:schemeClr val="bg2">
-                  <a:shade val="45000"/>
-                  <a:satMod val="135000"/>
-                </a:schemeClr>
-                <a:prstClr val="white"/>
-              </a:duotone>
-            </a:blip>
-            <a:srcRect/>
-            <a:tile tx="-44450" ty="38100" sx="85000" sy="85000" flip="none" algn="tl"/>
-          </a:blipFill>
-          <a:ln>
-            <a:noFill/>
-          </a:ln>
-        </p:spPr>
-        <p:style>
-          <a:lnRef idx="2">
-            <a:schemeClr val="accent1">
-              <a:shade val="50000"/>
-            </a:schemeClr>
-          </a:lnRef>
-          <a:fillRef idx="1">
-            <a:schemeClr val="accent1"/>
-          </a:fillRef>
-          <a:effectRef idx="0">
-            <a:schemeClr val="accent1"/>
-          </a:effectRef>
-          <a:fontRef idx="minor">
-            <a:schemeClr val="lt1"/>
-          </a:fontRef>
-        </p:style>
-      </p:sp>
-      <p:sp>
-        <p:nvSpPr>
-          <p:cNvPr id="2" name="Title 1">
-            <a:extLst>
-              <a:ext uri="{FF2B5EF4-FFF2-40B4-BE49-F238E27FC236}">
-                <a16:creationId xmlns:a16="http://schemas.microsoft.com/office/drawing/2014/main" id="{5998C7A3-8453-B87B-5455-23DED0E51F94}"/>
-              </a:ext>
-            </a:extLst>
-          </p:cNvPr>
-          <p:cNvSpPr>
-            <a:spLocks noGrp="1"/>
-          </p:cNvSpPr>
-          <p:nvPr>
-            <p:ph type="title"/>
-          </p:nvPr>
-        </p:nvSpPr>
-        <p:spPr>
-          <a:xfrm>
-            <a:off x="8019287" y="1168400"/>
-            <a:ext cx="3697043" cy="4521200"/>
-          </a:xfrm>
-        </p:spPr>
-        <p:txBody>
-          <a:bodyPr>
-            <a:normAutofit/>
-          </a:bodyPr>
-          <a:lstStyle/>
-          <a:p>
-            <a:r>
-              <a:rPr lang="en-US" sz="4000">
-                <a:solidFill>
-                  <a:srgbClr val="FFFFFF"/>
-                </a:solidFill>
-              </a:rPr>
-              <a:t>RIDER STRIDER</a:t>
-            </a:r>
-          </a:p>
-        </p:txBody>
-      </p:sp>
-      <p:sp>
-        <p:nvSpPr>
-          <p:cNvPr id="3" name="Content Placeholder 2">
-            <a:extLst>
-              <a:ext uri="{FF2B5EF4-FFF2-40B4-BE49-F238E27FC236}">
-                <a16:creationId xmlns:a16="http://schemas.microsoft.com/office/drawing/2014/main" id="{FAB0B2C2-5CE7-474D-C6C2-DC960BBD6AFF}"/>
-              </a:ext>
-            </a:extLst>
-          </p:cNvPr>
-          <p:cNvSpPr>
-            <a:spLocks noGrp="1"/>
-          </p:cNvSpPr>
-          <p:nvPr>
-            <p:ph idx="1"/>
-          </p:nvPr>
-        </p:nvSpPr>
-        <p:spPr>
-          <a:xfrm>
-            <a:off x="643337" y="1168400"/>
-            <a:ext cx="6326423" cy="4521200"/>
-          </a:xfrm>
-        </p:spPr>
-        <p:txBody>
-          <a:bodyPr anchor="ctr">
-            <a:normAutofit/>
-          </a:bodyPr>
-          <a:lstStyle/>
-          <a:p>
-            <a:pPr algn="ctr"/>
-            <a:r>
-              <a:rPr lang="en-US" sz="5400"/>
-              <a:t> GAMECHANGER</a:t>
-            </a:r>
-          </a:p>
-        </p:txBody>
-      </p:sp>
-    </p:spTree>
-    <p:extLst>
-      <p:ext uri="{BB962C8B-B14F-4D97-AF65-F5344CB8AC3E}">
-        <p14:creationId xmlns:p14="http://schemas.microsoft.com/office/powerpoint/2010/main" val="3090778801"/>
-      </p:ext>
-    </p:extLst>
-  </p:cSld>
-  <p:clrMapOvr>
-    <a:masterClrMapping/>
-  </p:clrMapOvr>
-</p:sld>
-</file>
-
-<file path=ppt/slides/slide5.xml><?xml version="1.0" encoding="utf-8"?>
-<p:sld xmlns:a="http://schemas.openxmlformats.org/drawingml/2006/main" xmlns:r="http://schemas.openxmlformats.org/officeDocument/2006/relationships" xmlns:p="http://schemas.openxmlformats.org/presentationml/2006/main">
-  <p:cSld>
-    <p:bg>
-      <p:bgPr>
         <a:solidFill>
           <a:schemeClr val="bg1"/>
         </a:solidFill>
@@ -23289,7 +23122,7 @@
           <a:lstStyle/>
           <a:p>
             <a:r>
-              <a:rPr lang="en-US"/>
+              <a:rPr lang="en-US" dirty="0"/>
               <a:t>PROPOSITION</a:t>
             </a:r>
           </a:p>
@@ -23324,7 +23157,7 @@
           <a:lstStyle/>
           <a:p>
             <a:r>
-              <a:rPr lang="en-US"/>
+              <a:rPr lang="en-US" dirty="0"/>
               <a:t>A genuine city congestion tracking platform whose</a:t>
             </a:r>
           </a:p>
@@ -23336,12 +23169,12 @@
               <a:buNone/>
             </a:pPr>
             <a:r>
-              <a:rPr lang="en-US"/>
+              <a:rPr lang="en-US" dirty="0"/>
               <a:t>robustness applauds the city traffic data collecting centers to predict real time speed mappings of a rider at any location in cosmopolitan hubs during any hour of the day.</a:t>
             </a:r>
           </a:p>
           <a:p>
-            <a:endParaRPr lang="en-US"/>
+            <a:endParaRPr lang="en-US" dirty="0"/>
           </a:p>
         </p:txBody>
       </p:sp>
@@ -23358,7 +23191,7 @@
 </p:sld>
 </file>
 
-<file path=ppt/slides/slide6.xml><?xml version="1.0" encoding="utf-8"?>
+<file path=ppt/slides/slide5.xml><?xml version="1.0" encoding="utf-8"?>
 <p:sld xmlns:a="http://schemas.openxmlformats.org/drawingml/2006/main" xmlns:r="http://schemas.openxmlformats.org/officeDocument/2006/relationships" xmlns:p="http://schemas.openxmlformats.org/presentationml/2006/main">
   <p:cSld>
     <p:bg>
@@ -23439,7 +23272,7 @@
           <a:lstStyle/>
           <a:p>
             <a:pPr algn="ctr"/>
-            <a:endParaRPr lang="en-US"/>
+            <a:endParaRPr lang="en-US" dirty="0"/>
           </a:p>
         </p:txBody>
       </p:sp>
@@ -23516,7 +23349,7 @@
           <a:p>
             <a:pPr algn="ctr"/>
             <a:r>
-              <a:rPr lang="en-US" sz="4400"/>
+              <a:rPr lang="en-US" sz="4400" dirty="0"/>
               <a:t>INSPIRATION</a:t>
             </a:r>
           </a:p>
@@ -23561,7 +23394,7 @@
 </p:sld>
 </file>
 
-<file path=ppt/slides/slide7.xml><?xml version="1.0" encoding="utf-8"?>
+<file path=ppt/slides/slide6.xml><?xml version="1.0" encoding="utf-8"?>
 <p:sld xmlns:a="http://schemas.openxmlformats.org/drawingml/2006/main" xmlns:r="http://schemas.openxmlformats.org/officeDocument/2006/relationships" xmlns:p="http://schemas.openxmlformats.org/presentationml/2006/main">
   <p:cSld>
     <p:bg>
@@ -23645,7 +23478,7 @@
           <a:lstStyle/>
           <a:p>
             <a:pPr algn="ctr"/>
-            <a:endParaRPr lang="en-US"/>
+            <a:endParaRPr lang="en-US" dirty="0"/>
           </a:p>
         </p:txBody>
       </p:sp>
@@ -23760,14 +23593,14 @@
           <a:p>
             <a:pPr algn="ctr"/>
             <a:r>
-              <a:rPr lang="en-US">
+              <a:rPr lang="en-US" dirty="0">
                 <a:ea typeface="+mj-lt"/>
                 <a:cs typeface="+mj-lt"/>
               </a:rPr>
               <a:t>          WE             LIBRARIES</a:t>
             </a:r>
             <a:r>
-              <a:rPr lang="en-US"/>
+              <a:rPr lang="en-US" dirty="0"/>
               <a:t>!!!</a:t>
             </a:r>
           </a:p>
@@ -23801,7 +23634,7 @@
           </a:bodyPr>
           <a:lstStyle/>
           <a:p>
-            <a:endParaRPr lang="en-US"/>
+            <a:endParaRPr lang="en-US" dirty="0"/>
           </a:p>
           <a:p>
             <a:pPr>
@@ -23810,7 +23643,7 @@
               </a:buClr>
             </a:pPr>
             <a:r>
-              <a:rPr lang="en-US" sz="4000"/>
+              <a:rPr lang="en-US" sz="4000" dirty="0"/>
               <a:t>SKLEARN</a:t>
             </a:r>
           </a:p>
@@ -23821,7 +23654,7 @@
               </a:buClr>
             </a:pPr>
             <a:r>
-              <a:rPr lang="en-US" sz="4000"/>
+              <a:rPr lang="en-US" sz="4000" dirty="0"/>
               <a:t>TENSORFLOW</a:t>
             </a:r>
           </a:p>
@@ -23832,7 +23665,7 @@
               </a:buClr>
             </a:pPr>
             <a:r>
-              <a:rPr lang="en-US" sz="4000"/>
+              <a:rPr lang="en-US" sz="4000" dirty="0"/>
               <a:t>PANDAS</a:t>
             </a:r>
           </a:p>
@@ -23843,7 +23676,7 @@
               </a:buClr>
             </a:pPr>
             <a:r>
-              <a:rPr lang="en-US" sz="4000"/>
+              <a:rPr lang="en-US" sz="4000" dirty="0"/>
               <a:t>KERAS</a:t>
             </a:r>
           </a:p>
@@ -23853,7 +23686,7 @@
                 <a:srgbClr val="262626"/>
               </a:buClr>
             </a:pPr>
-            <a:endParaRPr lang="en-US" sz="4000"/>
+            <a:endParaRPr lang="en-US" sz="4000" dirty="0"/>
           </a:p>
         </p:txBody>
       </p:sp>
@@ -23899,7 +23732,7 @@
           <a:lstStyle/>
           <a:p>
             <a:pPr algn="ctr"/>
-            <a:endParaRPr lang="en-US"/>
+            <a:endParaRPr lang="en-US" dirty="0"/>
           </a:p>
         </p:txBody>
       </p:sp>
@@ -23916,7 +23749,7 @@
 </p:sld>
 </file>
 
-<file path=ppt/slides/slide8.xml><?xml version="1.0" encoding="utf-8"?>
+<file path=ppt/slides/slide7.xml><?xml version="1.0" encoding="utf-8"?>
 <p:sld xmlns:a="http://schemas.openxmlformats.org/drawingml/2006/main" xmlns:r="http://schemas.openxmlformats.org/officeDocument/2006/relationships" xmlns:p="http://schemas.openxmlformats.org/presentationml/2006/main">
   <p:cSld>
     <p:spTree>
@@ -23956,7 +23789,7 @@
           <a:p>
             <a:pPr algn="ctr"/>
             <a:r>
-              <a:rPr lang="en-US">
+              <a:rPr lang="en-US" dirty="0">
                 <a:solidFill>
                   <a:srgbClr val="0070C0"/>
                 </a:solidFill>
@@ -23965,7 +23798,7 @@
               </a:rPr>
               <a:t>THE NERDY PICTURESQUE</a:t>
             </a:r>
-            <a:endParaRPr lang="en-US"/>
+            <a:endParaRPr lang="en-US" dirty="0"/>
           </a:p>
         </p:txBody>
       </p:sp>
@@ -24033,7 +23866,7 @@
           <a:lstStyle/>
           <a:p>
             <a:r>
-              <a:rPr lang="en-US"/>
+              <a:rPr lang="en-US" dirty="0"/>
               <a:t>.</a:t>
             </a:r>
           </a:p>
@@ -24062,7 +23895,7 @@
           </a:bodyPr>
           <a:lstStyle/>
           <a:p>
-            <a:endParaRPr lang="en-US"/>
+            <a:endParaRPr lang="en-US" dirty="0"/>
           </a:p>
           <a:p>
             <a:pPr>
@@ -24070,7 +23903,7 @@
                 <a:srgbClr val="262626"/>
               </a:buClr>
             </a:pPr>
-            <a:endParaRPr lang="en-US"/>
+            <a:endParaRPr lang="en-US" dirty="0"/>
           </a:p>
           <a:p>
             <a:pPr>
@@ -24078,7 +23911,7 @@
                 <a:srgbClr val="262626"/>
               </a:buClr>
             </a:pPr>
-            <a:endParaRPr lang="en-US"/>
+            <a:endParaRPr lang="en-US" dirty="0"/>
           </a:p>
           <a:p>
             <a:pPr algn="ctr">
@@ -24086,7 +23919,7 @@
                 <a:srgbClr val="262626"/>
               </a:buClr>
             </a:pPr>
-            <a:endParaRPr lang="en-US" sz="6000">
+            <a:endParaRPr lang="en-US" sz="6000" dirty="0">
               <a:solidFill>
                 <a:srgbClr val="0070C0"/>
               </a:solidFill>
@@ -24098,7 +23931,7 @@
                 <a:srgbClr val="262626"/>
               </a:buClr>
             </a:pPr>
-            <a:endParaRPr lang="en-US"/>
+            <a:endParaRPr lang="en-US" dirty="0"/>
           </a:p>
         </p:txBody>
       </p:sp>
@@ -24115,7 +23948,7 @@
 </p:sld>
 </file>
 
-<file path=ppt/slides/slide9.xml><?xml version="1.0" encoding="utf-8"?>
+<file path=ppt/slides/slide8.xml><?xml version="1.0" encoding="utf-8"?>
 <p:sld xmlns:a="http://schemas.openxmlformats.org/drawingml/2006/main" xmlns:r="http://schemas.openxmlformats.org/officeDocument/2006/relationships" xmlns:p="http://schemas.openxmlformats.org/presentationml/2006/main">
   <p:cSld>
     <p:bg>
@@ -24199,7 +24032,7 @@
           <a:lstStyle/>
           <a:p>
             <a:pPr algn="ctr"/>
-            <a:endParaRPr lang="en-US"/>
+            <a:endParaRPr lang="en-US" dirty="0"/>
           </a:p>
         </p:txBody>
       </p:sp>
@@ -24317,7 +24150,7 @@
           </a:bodyPr>
           <a:lstStyle/>
           <a:p>
-            <a:endParaRPr lang="en-US"/>
+            <a:endParaRPr lang="en-US" dirty="0"/>
           </a:p>
           <a:p>
             <a:pPr marL="0" indent="0" algn="ctr">
@@ -24327,7 +24160,7 @@
               <a:buNone/>
             </a:pPr>
             <a:r>
-              <a:rPr lang="en-US" sz="3600">
+              <a:rPr lang="en-US" sz="3600" dirty="0">
                 <a:ea typeface="+mn-lt"/>
                 <a:cs typeface="+mn-lt"/>
               </a:rPr>
@@ -24339,7 +24172,7 @@
               <a:buNone/>
             </a:pPr>
             <a:r>
-              <a:rPr lang="en-US" sz="3600"/>
+              <a:rPr lang="en-US" sz="3600" dirty="0"/>
               <a:t>LINEAR REGRESSION</a:t>
             </a:r>
           </a:p>
@@ -24372,7 +24205,7 @@
           </a:bodyPr>
           <a:lstStyle/>
           <a:p>
-            <a:endParaRPr lang="en-US"/>
+            <a:endParaRPr lang="en-US" dirty="0"/>
           </a:p>
         </p:txBody>
       </p:sp>
@@ -24385,6 +24218,111 @@
   </p:cSld>
   <p:clrMapOvr>
     <a:overrideClrMapping bg1="dk1" tx1="lt1" bg2="dk2" tx2="lt2" accent1="accent1" accent2="accent2" accent3="accent3" accent4="accent4" accent5="accent5" accent6="accent6" hlink="hlink" folHlink="folHlink"/>
+  </p:clrMapOvr>
+</p:sld>
+</file>
+
+<file path=ppt/slides/slide9.xml><?xml version="1.0" encoding="utf-8"?>
+<p:sld xmlns:a="http://schemas.openxmlformats.org/drawingml/2006/main" xmlns:r="http://schemas.openxmlformats.org/officeDocument/2006/relationships" xmlns:p="http://schemas.openxmlformats.org/presentationml/2006/main">
+  <p:cSld>
+    <p:bg>
+      <p:bgPr>
+        <a:solidFill>
+          <a:schemeClr val="bg1"/>
+        </a:solidFill>
+        <a:effectLst/>
+      </p:bgPr>
+    </p:bg>
+    <p:spTree>
+      <p:nvGrpSpPr>
+        <p:cNvPr id="1" name=""/>
+        <p:cNvGrpSpPr/>
+        <p:nvPr/>
+      </p:nvGrpSpPr>
+      <p:grpSpPr>
+        <a:xfrm>
+          <a:off x="0" y="0"/>
+          <a:ext cx="0" cy="0"/>
+          <a:chOff x="0" y="0"/>
+          <a:chExt cx="0" cy="0"/>
+        </a:xfrm>
+      </p:grpSpPr>
+      <p:sp>
+        <p:nvSpPr>
+          <p:cNvPr id="2" name="Title 1">
+            <a:extLst>
+              <a:ext uri="{FF2B5EF4-FFF2-40B4-BE49-F238E27FC236}">
+                <a16:creationId xmlns:a16="http://schemas.microsoft.com/office/drawing/2014/main" id="{9CEB1C90-9976-50CA-5C2E-4EC62AB51638}"/>
+              </a:ext>
+            </a:extLst>
+          </p:cNvPr>
+          <p:cNvSpPr>
+            <a:spLocks noGrp="1"/>
+          </p:cNvSpPr>
+          <p:nvPr>
+            <p:ph type="title"/>
+          </p:nvPr>
+        </p:nvSpPr>
+        <p:spPr>
+          <a:xfrm>
+            <a:off x="1066800" y="642594"/>
+            <a:ext cx="10058400" cy="1371600"/>
+          </a:xfrm>
+        </p:spPr>
+        <p:txBody>
+          <a:bodyPr>
+            <a:normAutofit/>
+          </a:bodyPr>
+          <a:lstStyle/>
+          <a:p>
+            <a:pPr algn="ctr"/>
+            <a:r>
+              <a:rPr lang="en-US" dirty="0"/>
+              <a:t>FACETS AND FASCINATION</a:t>
+            </a:r>
+          </a:p>
+        </p:txBody>
+      </p:sp>
+      <p:graphicFrame>
+        <p:nvGraphicFramePr>
+          <p:cNvPr id="5" name="Content Placeholder 2">
+            <a:extLst>
+              <a:ext uri="{FF2B5EF4-FFF2-40B4-BE49-F238E27FC236}">
+                <a16:creationId xmlns:a16="http://schemas.microsoft.com/office/drawing/2014/main" id="{97DFBB8D-4FF8-2CAA-A199-BAD99AF80466}"/>
+              </a:ext>
+            </a:extLst>
+          </p:cNvPr>
+          <p:cNvGraphicFramePr>
+            <a:graphicFrameLocks noGrp="1"/>
+          </p:cNvGraphicFramePr>
+          <p:nvPr>
+            <p:ph idx="1"/>
+            <p:extLst>
+              <p:ext uri="{D42A27DB-BD31-4B8C-83A1-F6EECF244321}">
+                <p14:modId xmlns:p14="http://schemas.microsoft.com/office/powerpoint/2010/main" val="1936105185"/>
+              </p:ext>
+            </p:extLst>
+          </p:nvPr>
+        </p:nvGraphicFramePr>
+        <p:xfrm>
+          <a:off x="487251" y="1333416"/>
+          <a:ext cx="11163836" cy="5131554"/>
+        </p:xfrm>
+        <a:graphic>
+          <a:graphicData uri="http://schemas.openxmlformats.org/drawingml/2006/diagram">
+            <dgm:relIds xmlns:dgm="http://schemas.openxmlformats.org/drawingml/2006/diagram" xmlns:r="http://schemas.openxmlformats.org/officeDocument/2006/relationships" r:dm="rId2" r:lo="rId3" r:qs="rId4" r:cs="rId5"/>
+          </a:graphicData>
+        </a:graphic>
+      </p:graphicFrame>
+    </p:spTree>
+    <p:extLst>
+      <p:ext uri="{BB962C8B-B14F-4D97-AF65-F5344CB8AC3E}">
+        <p14:creationId xmlns:p14="http://schemas.microsoft.com/office/powerpoint/2010/main" val="739186066"/>
+      </p:ext>
+    </p:extLst>
+  </p:cSld>
+  <p:clrMapOvr>
+    <a:masterClrMapping/>
   </p:clrMapOvr>
 </p:sld>
 </file>
